--- a/7_PhysicsDomainModel/OpenModelica_Tutorials_7_PlantModel.pptx
+++ b/7_PhysicsDomainModel/OpenModelica_Tutorials_7_PlantModel.pptx
@@ -6206,7 +6206,7 @@
           <a:p>
             <a:fld id="{C4670700-DA66-4BAD-8F9F-A4A758D36ABA}" type="datetimeFigureOut">
               <a:rPr kumimoji="1" lang="ja-JP" altLang="en-US" smtClean="0"/>
-              <a:t>2021/10/2</a:t>
+              <a:t>2021/11/11</a:t>
             </a:fld>
             <a:endParaRPr kumimoji="1" lang="ja-JP" altLang="en-US"/>
           </a:p>
@@ -6652,7 +6652,7 @@
           <a:p>
             <a:fld id="{8C7CD75D-5D39-4864-BA19-483584E59DC6}" type="datetime1">
               <a:rPr kumimoji="1" lang="ja-JP" altLang="en-US" smtClean="0"/>
-              <a:t>2021/10/2</a:t>
+              <a:t>2021/11/11</a:t>
             </a:fld>
             <a:endParaRPr kumimoji="1" lang="ja-JP" altLang="en-US"/>
           </a:p>
@@ -6882,7 +6882,7 @@
           <a:p>
             <a:fld id="{1C307E19-2163-42CA-82DC-48CC766E044B}" type="datetime1">
               <a:rPr kumimoji="1" lang="ja-JP" altLang="en-US" smtClean="0"/>
-              <a:t>2021/10/2</a:t>
+              <a:t>2021/11/11</a:t>
             </a:fld>
             <a:endParaRPr kumimoji="1" lang="ja-JP" altLang="en-US"/>
           </a:p>
@@ -7122,7 +7122,7 @@
           <a:p>
             <a:fld id="{0C48A713-F20E-46DB-BBA7-BA87B95082A3}" type="datetime1">
               <a:rPr kumimoji="1" lang="ja-JP" altLang="en-US" smtClean="0"/>
-              <a:t>2021/10/2</a:t>
+              <a:t>2021/11/11</a:t>
             </a:fld>
             <a:endParaRPr kumimoji="1" lang="ja-JP" altLang="en-US"/>
           </a:p>
@@ -7352,7 +7352,7 @@
           <a:p>
             <a:fld id="{FFE92058-C063-4892-89E0-629CA4ED9E07}" type="datetime1">
               <a:rPr kumimoji="1" lang="ja-JP" altLang="en-US" smtClean="0"/>
-              <a:t>2021/10/2</a:t>
+              <a:t>2021/11/11</a:t>
             </a:fld>
             <a:endParaRPr kumimoji="1" lang="ja-JP" altLang="en-US"/>
           </a:p>
@@ -7627,7 +7627,7 @@
           <a:p>
             <a:fld id="{130C667B-2598-4471-9768-C5333B4E3B3A}" type="datetime1">
               <a:rPr kumimoji="1" lang="ja-JP" altLang="en-US" smtClean="0"/>
-              <a:t>2021/10/2</a:t>
+              <a:t>2021/11/11</a:t>
             </a:fld>
             <a:endParaRPr kumimoji="1" lang="ja-JP" altLang="en-US"/>
           </a:p>
@@ -7956,7 +7956,7 @@
           <a:p>
             <a:fld id="{0FDAB949-15F5-4ABF-BB00-18FEF780E713}" type="datetime1">
               <a:rPr kumimoji="1" lang="ja-JP" altLang="en-US" smtClean="0"/>
-              <a:t>2021/10/2</a:t>
+              <a:t>2021/11/11</a:t>
             </a:fld>
             <a:endParaRPr kumimoji="1" lang="ja-JP" altLang="en-US"/>
           </a:p>
@@ -8432,7 +8432,7 @@
           <a:p>
             <a:fld id="{BFA3EF9D-1463-4821-9ADE-47DF05549453}" type="datetime1">
               <a:rPr kumimoji="1" lang="ja-JP" altLang="en-US" smtClean="0"/>
-              <a:t>2021/10/2</a:t>
+              <a:t>2021/11/11</a:t>
             </a:fld>
             <a:endParaRPr kumimoji="1" lang="ja-JP" altLang="en-US"/>
           </a:p>
@@ -8573,7 +8573,7 @@
           <a:p>
             <a:fld id="{4586F5B6-9586-4E05-85A5-BC7C32648190}" type="datetime1">
               <a:rPr kumimoji="1" lang="ja-JP" altLang="en-US" smtClean="0"/>
-              <a:t>2021/10/2</a:t>
+              <a:t>2021/11/11</a:t>
             </a:fld>
             <a:endParaRPr kumimoji="1" lang="ja-JP" altLang="en-US"/>
           </a:p>
@@ -8686,7 +8686,7 @@
           <a:p>
             <a:fld id="{76504571-7FEB-4311-BB38-1994795B53A0}" type="datetime1">
               <a:rPr kumimoji="1" lang="ja-JP" altLang="en-US" smtClean="0"/>
-              <a:t>2021/10/2</a:t>
+              <a:t>2021/11/11</a:t>
             </a:fld>
             <a:endParaRPr kumimoji="1" lang="ja-JP" altLang="en-US"/>
           </a:p>
@@ -9029,7 +9029,7 @@
           <a:p>
             <a:fld id="{F5C721FD-BC0F-4FE9-9E95-F806C64C8B82}" type="datetime1">
               <a:rPr kumimoji="1" lang="ja-JP" altLang="en-US" smtClean="0"/>
-              <a:t>2021/10/2</a:t>
+              <a:t>2021/11/11</a:t>
             </a:fld>
             <a:endParaRPr kumimoji="1" lang="ja-JP" altLang="en-US"/>
           </a:p>
@@ -9317,7 +9317,7 @@
           <a:p>
             <a:fld id="{77542B22-E5B0-40C6-9DA2-3A5D4E7B0D80}" type="datetime1">
               <a:rPr kumimoji="1" lang="ja-JP" altLang="en-US" smtClean="0"/>
-              <a:t>2021/10/2</a:t>
+              <a:t>2021/11/11</a:t>
             </a:fld>
             <a:endParaRPr kumimoji="1" lang="ja-JP" altLang="en-US"/>
           </a:p>
@@ -9590,7 +9590,7 @@
           <a:p>
             <a:fld id="{CE100500-5C7E-429C-8088-58F3D6003A7E}" type="datetime1">
               <a:rPr kumimoji="1" lang="ja-JP" altLang="en-US" smtClean="0"/>
-              <a:t>2021/10/2</a:t>
+              <a:t>2021/11/11</a:t>
             </a:fld>
             <a:endParaRPr kumimoji="1" lang="ja-JP" altLang="en-US"/>
           </a:p>
@@ -10389,7 +10389,7 @@
           </a:ln>
           <a:extLst>
             <a:ext uri="{C572A759-6A51-4108-AA02-DFA0A04FC94B}">
-              <ma14:wrappingTextBoxFlag xmlns="" xmlns:ma14="http://schemas.microsoft.com/office/mac/drawingml/2011/main" val="1"/>
+              <ma14:wrappingTextBoxFlag xmlns:ma14="http://schemas.microsoft.com/office/mac/drawingml/2011/main" xmlns="" val="1"/>
             </a:ext>
           </a:extLst>
         </p:spPr>
@@ -11473,7 +11473,7 @@
           </a:ln>
           <a:extLst>
             <a:ext uri="{C572A759-6A51-4108-AA02-DFA0A04FC94B}">
-              <ma14:wrappingTextBoxFlag xmlns="" xmlns:ma14="http://schemas.microsoft.com/office/mac/drawingml/2011/main" val="1"/>
+              <ma14:wrappingTextBoxFlag xmlns:ma14="http://schemas.microsoft.com/office/mac/drawingml/2011/main" xmlns="" val="1"/>
             </a:ext>
           </a:extLst>
         </p:spPr>
@@ -11980,7 +11980,7 @@
           </a:ln>
           <a:extLst>
             <a:ext uri="{C572A759-6A51-4108-AA02-DFA0A04FC94B}">
-              <ma14:wrappingTextBoxFlag xmlns="" xmlns:ma14="http://schemas.microsoft.com/office/mac/drawingml/2011/main" val="1"/>
+              <ma14:wrappingTextBoxFlag xmlns:ma14="http://schemas.microsoft.com/office/mac/drawingml/2011/main" xmlns="" val="1"/>
             </a:ext>
           </a:extLst>
         </p:spPr>
@@ -13852,7 +13852,7 @@
           </a:ln>
           <a:extLst>
             <a:ext uri="{C572A759-6A51-4108-AA02-DFA0A04FC94B}">
-              <ma14:wrappingTextBoxFlag xmlns="" xmlns:ma14="http://schemas.microsoft.com/office/mac/drawingml/2011/main" val="1"/>
+              <ma14:wrappingTextBoxFlag xmlns:ma14="http://schemas.microsoft.com/office/mac/drawingml/2011/main" xmlns="" val="1"/>
             </a:ext>
           </a:extLst>
         </p:spPr>
@@ -14081,7 +14081,7 @@
           </a:ln>
           <a:extLst>
             <a:ext uri="{C572A759-6A51-4108-AA02-DFA0A04FC94B}">
-              <ma14:wrappingTextBoxFlag xmlns="" xmlns:ma14="http://schemas.microsoft.com/office/mac/drawingml/2011/main" val="1"/>
+              <ma14:wrappingTextBoxFlag xmlns:ma14="http://schemas.microsoft.com/office/mac/drawingml/2011/main" xmlns="" val="1"/>
             </a:ext>
           </a:extLst>
         </p:spPr>
@@ -14954,8 +14954,8 @@
           </a:p>
         </p:txBody>
       </p:sp>
-      <mc:AlternateContent xmlns:mc="http://schemas.openxmlformats.org/markup-compatibility/2006">
-        <mc:Choice xmlns:a14="http://schemas.microsoft.com/office/drawing/2010/main" Requires="a14">
+      <mc:AlternateContent xmlns:mc="http://schemas.openxmlformats.org/markup-compatibility/2006" xmlns:a14="http://schemas.microsoft.com/office/drawing/2010/main">
+        <mc:Choice Requires="a14">
           <p:sp>
             <p:nvSpPr>
               <p:cNvPr id="24" name="テキスト ボックス 23">
@@ -15031,7 +15031,7 @@
             </p:txBody>
           </p:sp>
         </mc:Choice>
-        <mc:Fallback>
+        <mc:Fallback xmlns="">
           <p:sp>
             <p:nvSpPr>
               <p:cNvPr id="24" name="テキスト ボックス 23">
@@ -15176,8 +15176,8 @@
             </p:nvSpPr>
             <p:spPr>
               <a:xfrm>
-                <a:off x="9489697" y="3536758"/>
-                <a:ext cx="2189381" cy="1179105"/>
+                <a:off x="9689577" y="3911233"/>
+                <a:ext cx="2189381" cy="369332"/>
               </a:xfrm>
               <a:prstGeom prst="rect">
                 <a:avLst/>
@@ -15198,6 +15198,13 @@
                     </m:oMathParaPr>
                     <m:oMath xmlns:m="http://schemas.openxmlformats.org/officeDocument/2006/math">
                       <m:r>
+                        <a:rPr lang="en-US" altLang="ja-JP" b="0" i="1" smtClean="0">
+                          <a:latin typeface="Cambria Math" panose="02040503050406030204" pitchFamily="18" charset="0"/>
+                          <a:ea typeface="Cambria Math" panose="02040503050406030204" pitchFamily="18" charset="0"/>
+                        </a:rPr>
+                        <m:t>(</m:t>
+                      </m:r>
+                      <m:r>
                         <a:rPr lang="en-US" altLang="ja-JP" i="1" smtClean="0">
                           <a:latin typeface="Cambria Math" panose="02040503050406030204" pitchFamily="18" charset="0"/>
                           <a:ea typeface="Cambria Math" panose="02040503050406030204" pitchFamily="18" charset="0"/>
@@ -15217,171 +15224,68 @@
                         </a:rPr>
                         <m:t>=</m:t>
                       </m:r>
-                      <m:d>
-                        <m:dPr>
-                          <m:begChr m:val="{"/>
-                          <m:endChr m:val=""/>
+                      <m:sSub>
+                        <m:sSubPr>
                           <m:ctrlPr>
-                            <a:rPr kumimoji="1" lang="en-US" altLang="ja-JP" sz="1800" b="0" i="1" smtClean="0">
+                            <a:rPr lang="en-US" altLang="ja-JP" i="1">
                               <a:latin typeface="Cambria Math" panose="02040503050406030204" pitchFamily="18" charset="0"/>
                             </a:rPr>
                           </m:ctrlPr>
-                        </m:dPr>
+                        </m:sSubPr>
                         <m:e>
-                          <m:eqArr>
-                            <m:eqArrPr>
-                              <m:ctrlPr>
-                                <a:rPr kumimoji="1" lang="en-US" altLang="ja-JP" sz="1800" b="0" i="1" smtClean="0">
-                                  <a:latin typeface="Cambria Math" panose="02040503050406030204" pitchFamily="18" charset="0"/>
-                                </a:rPr>
-                              </m:ctrlPr>
-                            </m:eqArrPr>
-                            <m:e>
-                              <m:sSub>
-                                <m:sSubPr>
-                                  <m:ctrlPr>
-                                    <a:rPr lang="en-US" altLang="ja-JP" i="1">
-                                      <a:latin typeface="Cambria Math" panose="02040503050406030204" pitchFamily="18" charset="0"/>
-                                    </a:rPr>
-                                  </m:ctrlPr>
-                                </m:sSubPr>
-                                <m:e>
-                                  <m:r>
-                                    <a:rPr lang="en-US" altLang="ja-JP" i="1">
-                                      <a:latin typeface="Cambria Math" panose="02040503050406030204" pitchFamily="18" charset="0"/>
-                                    </a:rPr>
-                                    <m:t>𝑃</m:t>
-                                  </m:r>
-                                </m:e>
-                                <m:sub>
-                                  <m:r>
-                                    <a:rPr lang="en-US" altLang="ja-JP" i="1">
-                                      <a:latin typeface="Cambria Math" panose="02040503050406030204" pitchFamily="18" charset="0"/>
-                                    </a:rPr>
-                                    <m:t>2</m:t>
-                                  </m:r>
-                                </m:sub>
-                              </m:sSub>
-                              <m:r>
-                                <a:rPr lang="en-US" altLang="ja-JP" i="1">
-                                  <a:latin typeface="Cambria Math" panose="02040503050406030204" pitchFamily="18" charset="0"/>
-                                </a:rPr>
-                                <m:t>−</m:t>
-                              </m:r>
-                              <m:sSub>
-                                <m:sSubPr>
-                                  <m:ctrlPr>
-                                    <a:rPr lang="en-US" altLang="ja-JP" i="1">
-                                      <a:latin typeface="Cambria Math" panose="02040503050406030204" pitchFamily="18" charset="0"/>
-                                    </a:rPr>
-                                  </m:ctrlPr>
-                                </m:sSubPr>
-                                <m:e>
-                                  <m:r>
-                                    <a:rPr lang="en-US" altLang="ja-JP" i="1">
-                                      <a:latin typeface="Cambria Math" panose="02040503050406030204" pitchFamily="18" charset="0"/>
-                                    </a:rPr>
-                                    <m:t>𝑃</m:t>
-                                  </m:r>
-                                </m:e>
-                                <m:sub>
-                                  <m:r>
-                                    <a:rPr lang="en-US" altLang="ja-JP" i="1">
-                                      <a:latin typeface="Cambria Math" panose="02040503050406030204" pitchFamily="18" charset="0"/>
-                                    </a:rPr>
-                                    <m:t>1</m:t>
-                                  </m:r>
-                                </m:sub>
-                              </m:sSub>
-                            </m:e>
-                            <m:e>
-                              <m:r>
-                                <a:rPr lang="en-US" altLang="ja-JP" b="0" i="1" smtClean="0">
-                                  <a:latin typeface="Cambria Math" panose="02040503050406030204" pitchFamily="18" charset="0"/>
-                                </a:rPr>
-                                <m:t>𝑜𝑟</m:t>
-                              </m:r>
-                            </m:e>
-                            <m:e>
-                              <m:f>
-                                <m:fPr>
-                                  <m:ctrlPr>
-                                    <a:rPr lang="en-US" altLang="ja-JP" i="1">
-                                      <a:latin typeface="Cambria Math" panose="02040503050406030204" pitchFamily="18" charset="0"/>
-                                    </a:rPr>
-                                  </m:ctrlPr>
-                                </m:fPr>
-                                <m:num>
-                                  <m:sSub>
-                                    <m:sSubPr>
-                                      <m:ctrlPr>
-                                        <a:rPr lang="en-US" altLang="ja-JP" i="1">
-                                          <a:latin typeface="Cambria Math" panose="02040503050406030204" pitchFamily="18" charset="0"/>
-                                        </a:rPr>
-                                      </m:ctrlPr>
-                                    </m:sSubPr>
-                                    <m:e>
-                                      <m:r>
-                                        <a:rPr lang="en-US" altLang="ja-JP" i="1">
-                                          <a:latin typeface="Cambria Math" panose="02040503050406030204" pitchFamily="18" charset="0"/>
-                                        </a:rPr>
-                                        <m:t>𝑃</m:t>
-                                      </m:r>
-                                    </m:e>
-                                    <m:sub>
-                                      <m:r>
-                                        <a:rPr lang="en-US" altLang="ja-JP" i="1">
-                                          <a:latin typeface="Cambria Math" panose="02040503050406030204" pitchFamily="18" charset="0"/>
-                                        </a:rPr>
-                                        <m:t>2</m:t>
-                                      </m:r>
-                                    </m:sub>
-                                  </m:sSub>
-                                  <m:r>
-                                    <a:rPr lang="en-US" altLang="ja-JP" i="1">
-                                      <a:latin typeface="Cambria Math" panose="02040503050406030204" pitchFamily="18" charset="0"/>
-                                    </a:rPr>
-                                    <m:t>−</m:t>
-                                  </m:r>
-                                  <m:sSub>
-                                    <m:sSubPr>
-                                      <m:ctrlPr>
-                                        <a:rPr lang="en-US" altLang="ja-JP" i="1">
-                                          <a:latin typeface="Cambria Math" panose="02040503050406030204" pitchFamily="18" charset="0"/>
-                                        </a:rPr>
-                                      </m:ctrlPr>
-                                    </m:sSubPr>
-                                    <m:e>
-                                      <m:r>
-                                        <a:rPr lang="en-US" altLang="ja-JP" i="1">
-                                          <a:latin typeface="Cambria Math" panose="02040503050406030204" pitchFamily="18" charset="0"/>
-                                        </a:rPr>
-                                        <m:t>𝑃</m:t>
-                                      </m:r>
-                                    </m:e>
-                                    <m:sub>
-                                      <m:r>
-                                        <a:rPr lang="en-US" altLang="ja-JP" i="1">
-                                          <a:latin typeface="Cambria Math" panose="02040503050406030204" pitchFamily="18" charset="0"/>
-                                        </a:rPr>
-                                        <m:t>1</m:t>
-                                      </m:r>
-                                    </m:sub>
-                                  </m:sSub>
-                                </m:num>
-                                <m:den>
-                                  <m:r>
-                                    <a:rPr lang="en-US" altLang="ja-JP" i="1">
-                                      <a:latin typeface="Cambria Math" panose="02040503050406030204" pitchFamily="18" charset="0"/>
-                                    </a:rPr>
-                                    <m:t>𝑥</m:t>
-                                  </m:r>
-                                </m:den>
-                              </m:f>
-                            </m:e>
-                          </m:eqArr>
+                          <m:r>
+                            <a:rPr lang="en-US" altLang="ja-JP" i="1">
+                              <a:latin typeface="Cambria Math" panose="02040503050406030204" pitchFamily="18" charset="0"/>
+                            </a:rPr>
+                            <m:t>𝑃</m:t>
+                          </m:r>
                         </m:e>
-                      </m:d>
+                        <m:sub>
+                          <m:r>
+                            <a:rPr lang="en-US" altLang="ja-JP" i="1">
+                              <a:latin typeface="Cambria Math" panose="02040503050406030204" pitchFamily="18" charset="0"/>
+                            </a:rPr>
+                            <m:t>2</m:t>
+                          </m:r>
+                        </m:sub>
+                      </m:sSub>
+                      <m:r>
+                        <a:rPr lang="en-US" altLang="ja-JP" i="1">
+                          <a:latin typeface="Cambria Math" panose="02040503050406030204" pitchFamily="18" charset="0"/>
+                        </a:rPr>
+                        <m:t>−</m:t>
+                      </m:r>
+                      <m:sSub>
+                        <m:sSubPr>
+                          <m:ctrlPr>
+                            <a:rPr lang="en-US" altLang="ja-JP" i="1">
+                              <a:latin typeface="Cambria Math" panose="02040503050406030204" pitchFamily="18" charset="0"/>
+                            </a:rPr>
+                          </m:ctrlPr>
+                        </m:sSubPr>
+                        <m:e>
+                          <m:r>
+                            <a:rPr lang="en-US" altLang="ja-JP" i="1">
+                              <a:latin typeface="Cambria Math" panose="02040503050406030204" pitchFamily="18" charset="0"/>
+                            </a:rPr>
+                            <m:t>𝑃</m:t>
+                          </m:r>
+                        </m:e>
+                        <m:sub>
+                          <m:r>
+                            <a:rPr lang="en-US" altLang="ja-JP" i="1">
+                              <a:latin typeface="Cambria Math" panose="02040503050406030204" pitchFamily="18" charset="0"/>
+                            </a:rPr>
+                            <m:t>1</m:t>
+                          </m:r>
+                        </m:sub>
+                      </m:sSub>
+                      <m:r>
+                        <a:rPr lang="en-US" altLang="ja-JP" b="0" i="1" smtClean="0">
+                          <a:latin typeface="Cambria Math" panose="02040503050406030204" pitchFamily="18" charset="0"/>
+                        </a:rPr>
+                        <m:t>)</m:t>
+                      </m:r>
                     </m:oMath>
                   </m:oMathPara>
                 </a14:m>
@@ -15407,8 +15311,8 @@
             </p:nvSpPr>
             <p:spPr>
               <a:xfrm>
-                <a:off x="9489697" y="3536758"/>
-                <a:ext cx="2189381" cy="1179105"/>
+                <a:off x="9689577" y="3911233"/>
+                <a:ext cx="2189381" cy="369332"/>
               </a:xfrm>
               <a:prstGeom prst="rect">
                 <a:avLst/>
@@ -15416,7 +15320,7 @@
               <a:blipFill>
                 <a:blip r:embed="rId3"/>
                 <a:stretch>
-                  <a:fillRect/>
+                  <a:fillRect b="-13333"/>
                 </a:stretch>
               </a:blipFill>
             </p:spPr>
@@ -15560,7 +15464,7 @@
           </a:ln>
           <a:extLst>
             <a:ext uri="{C572A759-6A51-4108-AA02-DFA0A04FC94B}">
-              <ma14:wrappingTextBoxFlag xmlns="" xmlns:ma14="http://schemas.microsoft.com/office/mac/drawingml/2011/main" val="1"/>
+              <ma14:wrappingTextBoxFlag xmlns:ma14="http://schemas.microsoft.com/office/mac/drawingml/2011/main" xmlns="" val="1"/>
             </a:ext>
           </a:extLst>
         </p:spPr>
@@ -16147,7 +16051,7 @@
         <p:spPr>
           <a:xfrm>
             <a:off x="7519092" y="5322837"/>
-            <a:ext cx="2339102" cy="1200329"/>
+            <a:ext cx="2339102" cy="1569660"/>
           </a:xfrm>
           <a:prstGeom prst="rect">
             <a:avLst/>
@@ -16195,10 +16099,14 @@
             </a:r>
             <a:endParaRPr lang="en-US" altLang="ja-JP" sz="2400" dirty="0"/>
           </a:p>
+          <a:p>
+            <a:pPr algn="l"/>
+            <a:endParaRPr lang="en-US" altLang="ja-JP" sz="2400" dirty="0"/>
+          </a:p>
         </p:txBody>
       </p:sp>
-      <mc:AlternateContent xmlns:mc="http://schemas.openxmlformats.org/markup-compatibility/2006" xmlns:a14="http://schemas.microsoft.com/office/drawing/2010/main">
-        <mc:Choice Requires="a14">
+      <mc:AlternateContent xmlns:mc="http://schemas.openxmlformats.org/markup-compatibility/2006">
+        <mc:Choice xmlns:a14="http://schemas.microsoft.com/office/drawing/2010/main" Requires="a14">
           <p:sp>
             <p:nvSpPr>
               <p:cNvPr id="26" name="テキスト ボックス 25">
@@ -16284,12 +16192,6 @@
                         </a:rPr>
                         <m:t>=−</m:t>
                       </m:r>
-                      <m:r>
-                        <a:rPr kumimoji="1" lang="en-US" altLang="ja-JP" sz="3200" b="0" i="1" smtClean="0">
-                          <a:latin typeface="Cambria Math" panose="02040503050406030204" pitchFamily="18" charset="0"/>
-                        </a:rPr>
-                        <m:t>𝑘𝐴</m:t>
-                      </m:r>
                       <m:f>
                         <m:fPr>
                           <m:ctrlPr>
@@ -16299,72 +16201,78 @@
                           </m:ctrlPr>
                         </m:fPr>
                         <m:num>
-                          <m:sSub>
-                            <m:sSubPr>
-                              <m:ctrlPr>
-                                <a:rPr kumimoji="1" lang="en-US" altLang="ja-JP" sz="3200" b="0" i="1" smtClean="0">
-                                  <a:latin typeface="Cambria Math" panose="02040503050406030204" pitchFamily="18" charset="0"/>
-                                </a:rPr>
-                              </m:ctrlPr>
-                            </m:sSubPr>
-                            <m:e>
-                              <m:r>
-                                <a:rPr kumimoji="1" lang="en-US" altLang="ja-JP" sz="3200" b="0" i="1" smtClean="0">
-                                  <a:latin typeface="Cambria Math" panose="02040503050406030204" pitchFamily="18" charset="0"/>
-                                </a:rPr>
-                                <m:t>𝑇</m:t>
-                              </m:r>
-                            </m:e>
-                            <m:sub>
-                              <m:r>
-                                <a:rPr kumimoji="1" lang="en-US" altLang="ja-JP" sz="3200" b="0" i="1" smtClean="0">
-                                  <a:latin typeface="Cambria Math" panose="02040503050406030204" pitchFamily="18" charset="0"/>
-                                </a:rPr>
-                                <m:t>2</m:t>
-                              </m:r>
-                            </m:sub>
-                          </m:sSub>
                           <m:r>
                             <a:rPr kumimoji="1" lang="en-US" altLang="ja-JP" sz="3200" b="0" i="1" smtClean="0">
                               <a:latin typeface="Cambria Math" panose="02040503050406030204" pitchFamily="18" charset="0"/>
                             </a:rPr>
-                            <m:t>−</m:t>
+                            <m:t>𝑘𝐴</m:t>
                           </m:r>
-                          <m:sSub>
-                            <m:sSubPr>
-                              <m:ctrlPr>
-                                <a:rPr kumimoji="1" lang="en-US" altLang="ja-JP" sz="3200" b="0" i="1" smtClean="0">
-                                  <a:latin typeface="Cambria Math" panose="02040503050406030204" pitchFamily="18" charset="0"/>
-                                </a:rPr>
-                              </m:ctrlPr>
-                            </m:sSubPr>
-                            <m:e>
-                              <m:r>
-                                <a:rPr kumimoji="1" lang="en-US" altLang="ja-JP" sz="3200" b="0" i="1" smtClean="0">
-                                  <a:latin typeface="Cambria Math" panose="02040503050406030204" pitchFamily="18" charset="0"/>
-                                </a:rPr>
-                                <m:t>𝑇</m:t>
-                              </m:r>
-                            </m:e>
-                            <m:sub>
-                              <m:r>
-                                <a:rPr kumimoji="1" lang="en-US" altLang="ja-JP" sz="3200" b="0" i="1" smtClean="0">
-                                  <a:latin typeface="Cambria Math" panose="02040503050406030204" pitchFamily="18" charset="0"/>
-                                </a:rPr>
-                                <m:t>1</m:t>
-                              </m:r>
-                            </m:sub>
-                          </m:sSub>
                         </m:num>
                         <m:den>
                           <m:r>
                             <a:rPr kumimoji="1" lang="en-US" altLang="ja-JP" sz="3200" b="0" i="1" smtClean="0">
                               <a:latin typeface="Cambria Math" panose="02040503050406030204" pitchFamily="18" charset="0"/>
                             </a:rPr>
-                            <m:t>𝑥</m:t>
+                            <m:t>𝐿</m:t>
                           </m:r>
                         </m:den>
                       </m:f>
+                      <m:sSub>
+                        <m:sSubPr>
+                          <m:ctrlPr>
+                            <a:rPr lang="en-US" altLang="ja-JP" sz="3200" i="1">
+                              <a:latin typeface="Cambria Math" panose="02040503050406030204" pitchFamily="18" charset="0"/>
+                            </a:rPr>
+                          </m:ctrlPr>
+                        </m:sSubPr>
+                        <m:e>
+                          <m:r>
+                            <a:rPr lang="en-US" altLang="ja-JP" sz="3200" i="1">
+                              <a:latin typeface="Cambria Math" panose="02040503050406030204" pitchFamily="18" charset="0"/>
+                            </a:rPr>
+                            <m:t>𝑇</m:t>
+                          </m:r>
+                        </m:e>
+                        <m:sub>
+                          <m:r>
+                            <a:rPr lang="en-US" altLang="ja-JP" sz="3200" i="1">
+                              <a:latin typeface="Cambria Math" panose="02040503050406030204" pitchFamily="18" charset="0"/>
+                            </a:rPr>
+                            <m:t>2</m:t>
+                          </m:r>
+                        </m:sub>
+                      </m:sSub>
+                      <m:r>
+                        <a:rPr lang="en-US" altLang="ja-JP" sz="3200" i="1">
+                          <a:latin typeface="Cambria Math" panose="02040503050406030204" pitchFamily="18" charset="0"/>
+                        </a:rPr>
+                        <m:t>−</m:t>
+                      </m:r>
+                      <m:sSub>
+                        <m:sSubPr>
+                          <m:ctrlPr>
+                            <a:rPr lang="en-US" altLang="ja-JP" sz="3200" i="1">
+                              <a:latin typeface="Cambria Math" panose="02040503050406030204" pitchFamily="18" charset="0"/>
+                            </a:rPr>
+                          </m:ctrlPr>
+                        </m:sSubPr>
+                        <m:e>
+                          <m:r>
+                            <a:rPr lang="en-US" altLang="ja-JP" sz="3200" i="1">
+                              <a:latin typeface="Cambria Math" panose="02040503050406030204" pitchFamily="18" charset="0"/>
+                            </a:rPr>
+                            <m:t>𝑇</m:t>
+                          </m:r>
+                        </m:e>
+                        <m:sub>
+                          <m:r>
+                            <a:rPr lang="en-US" altLang="ja-JP" sz="3200" i="1">
+                              <a:latin typeface="Cambria Math" panose="02040503050406030204" pitchFamily="18" charset="0"/>
+                            </a:rPr>
+                            <m:t>1</m:t>
+                          </m:r>
+                        </m:sub>
+                      </m:sSub>
                     </m:oMath>
                   </m:oMathPara>
                 </a14:m>
@@ -16373,7 +16281,7 @@
             </p:txBody>
           </p:sp>
         </mc:Choice>
-        <mc:Fallback xmlns="">
+        <mc:Fallback>
           <p:sp>
             <p:nvSpPr>
               <p:cNvPr id="26" name="テキスト ボックス 25">
@@ -16514,8 +16422,8 @@
         </p:nvCxnSpPr>
         <p:spPr>
           <a:xfrm flipV="1">
-            <a:off x="10762070" y="4195577"/>
-            <a:ext cx="2" cy="636048"/>
+            <a:off x="10762070" y="3931055"/>
+            <a:ext cx="0" cy="900570"/>
           </a:xfrm>
           <a:prstGeom prst="straightConnector1">
             <a:avLst/>
@@ -16559,7 +16467,7 @@
         </p:nvCxnSpPr>
         <p:spPr>
           <a:xfrm>
-            <a:off x="10089142" y="4155416"/>
+            <a:off x="10089140" y="3916877"/>
             <a:ext cx="1345857" cy="0"/>
           </a:xfrm>
           <a:prstGeom prst="line">
@@ -16645,7 +16553,7 @@
         </p:nvCxnSpPr>
         <p:spPr>
           <a:xfrm>
-            <a:off x="9525364" y="3906137"/>
+            <a:off x="9549218" y="4085041"/>
             <a:ext cx="438404" cy="0"/>
           </a:xfrm>
           <a:prstGeom prst="line">
@@ -16690,8 +16598,8 @@
         </p:nvCxnSpPr>
         <p:spPr>
           <a:xfrm flipV="1">
-            <a:off x="8688643" y="3906137"/>
-            <a:ext cx="1004310" cy="1424273"/>
+            <a:off x="8700570" y="4126727"/>
+            <a:ext cx="1006142" cy="1196111"/>
           </a:xfrm>
           <a:prstGeom prst="straightConnector1">
             <a:avLst/>
@@ -16803,7 +16711,7 @@
           </a:ln>
           <a:extLst>
             <a:ext uri="{C572A759-6A51-4108-AA02-DFA0A04FC94B}">
-              <ma14:wrappingTextBoxFlag xmlns="" xmlns:ma14="http://schemas.microsoft.com/office/mac/drawingml/2011/main" val="1"/>
+              <ma14:wrappingTextBoxFlag xmlns:ma14="http://schemas.microsoft.com/office/mac/drawingml/2011/main" xmlns="" val="1"/>
             </a:ext>
           </a:extLst>
         </p:spPr>
@@ -18469,7 +18377,7 @@
           </a:ln>
           <a:extLst>
             <a:ext uri="{C572A759-6A51-4108-AA02-DFA0A04FC94B}">
-              <ma14:wrappingTextBoxFlag xmlns="" xmlns:ma14="http://schemas.microsoft.com/office/mac/drawingml/2011/main" val="1"/>
+              <ma14:wrappingTextBoxFlag xmlns:ma14="http://schemas.microsoft.com/office/mac/drawingml/2011/main" xmlns="" val="1"/>
             </a:ext>
           </a:extLst>
         </p:spPr>
@@ -19451,7 +19359,7 @@
           </a:ln>
           <a:extLst>
             <a:ext uri="{C572A759-6A51-4108-AA02-DFA0A04FC94B}">
-              <ma14:wrappingTextBoxFlag xmlns="" xmlns:ma14="http://schemas.microsoft.com/office/mac/drawingml/2011/main" val="1"/>
+              <ma14:wrappingTextBoxFlag xmlns:ma14="http://schemas.microsoft.com/office/mac/drawingml/2011/main" xmlns="" val="1"/>
             </a:ext>
           </a:extLst>
         </p:spPr>
@@ -20541,7 +20449,7 @@
           </a:ln>
           <a:extLst>
             <a:ext uri="{C572A759-6A51-4108-AA02-DFA0A04FC94B}">
-              <ma14:wrappingTextBoxFlag xmlns="" xmlns:ma14="http://schemas.microsoft.com/office/mac/drawingml/2011/main" val="1"/>
+              <ma14:wrappingTextBoxFlag xmlns:ma14="http://schemas.microsoft.com/office/mac/drawingml/2011/main" xmlns="" val="1"/>
             </a:ext>
           </a:extLst>
         </p:spPr>
@@ -21186,7 +21094,7 @@
           </a:ln>
           <a:extLst>
             <a:ext uri="{C572A759-6A51-4108-AA02-DFA0A04FC94B}">
-              <ma14:wrappingTextBoxFlag xmlns="" xmlns:ma14="http://schemas.microsoft.com/office/mac/drawingml/2011/main" val="1"/>
+              <ma14:wrappingTextBoxFlag xmlns:ma14="http://schemas.microsoft.com/office/mac/drawingml/2011/main" xmlns="" val="1"/>
             </a:ext>
           </a:extLst>
         </p:spPr>
@@ -21475,7 +21383,7 @@
           </a:ln>
           <a:extLst>
             <a:ext uri="{C572A759-6A51-4108-AA02-DFA0A04FC94B}">
-              <ma14:wrappingTextBoxFlag xmlns="" xmlns:ma14="http://schemas.microsoft.com/office/mac/drawingml/2011/main" val="1"/>
+              <ma14:wrappingTextBoxFlag xmlns:ma14="http://schemas.microsoft.com/office/mac/drawingml/2011/main" xmlns="" val="1"/>
             </a:ext>
           </a:extLst>
         </p:spPr>
@@ -21913,7 +21821,7 @@
           </a:ln>
           <a:extLst>
             <a:ext uri="{C572A759-6A51-4108-AA02-DFA0A04FC94B}">
-              <ma14:wrappingTextBoxFlag xmlns="" xmlns:ma14="http://schemas.microsoft.com/office/mac/drawingml/2011/main" val="1"/>
+              <ma14:wrappingTextBoxFlag xmlns:ma14="http://schemas.microsoft.com/office/mac/drawingml/2011/main" xmlns="" val="1"/>
             </a:ext>
           </a:extLst>
         </p:spPr>
@@ -23783,7 +23691,7 @@
           </a:ln>
           <a:extLst>
             <a:ext uri="{C572A759-6A51-4108-AA02-DFA0A04FC94B}">
-              <ma14:wrappingTextBoxFlag xmlns="" xmlns:ma14="http://schemas.microsoft.com/office/mac/drawingml/2011/main" val="1"/>
+              <ma14:wrappingTextBoxFlag xmlns:ma14="http://schemas.microsoft.com/office/mac/drawingml/2011/main" xmlns="" val="1"/>
             </a:ext>
           </a:extLst>
         </p:spPr>
@@ -24765,7 +24673,7 @@
           </a:ln>
           <a:extLst>
             <a:ext uri="{C572A759-6A51-4108-AA02-DFA0A04FC94B}">
-              <ma14:wrappingTextBoxFlag xmlns="" xmlns:ma14="http://schemas.microsoft.com/office/mac/drawingml/2011/main" val="1"/>
+              <ma14:wrappingTextBoxFlag xmlns:ma14="http://schemas.microsoft.com/office/mac/drawingml/2011/main" xmlns="" val="1"/>
             </a:ext>
           </a:extLst>
         </p:spPr>
@@ -25695,7 +25603,7 @@
           </a:ln>
           <a:extLst>
             <a:ext uri="{C572A759-6A51-4108-AA02-DFA0A04FC94B}">
-              <ma14:wrappingTextBoxFlag xmlns="" xmlns:ma14="http://schemas.microsoft.com/office/mac/drawingml/2011/main" val="1"/>
+              <ma14:wrappingTextBoxFlag xmlns:ma14="http://schemas.microsoft.com/office/mac/drawingml/2011/main" xmlns="" val="1"/>
             </a:ext>
           </a:extLst>
         </p:spPr>
@@ -26702,7 +26610,7 @@
           </a:ln>
           <a:extLst>
             <a:ext uri="{C572A759-6A51-4108-AA02-DFA0A04FC94B}">
-              <ma14:wrappingTextBoxFlag xmlns="" xmlns:ma14="http://schemas.microsoft.com/office/mac/drawingml/2011/main" val="1"/>
+              <ma14:wrappingTextBoxFlag xmlns:ma14="http://schemas.microsoft.com/office/mac/drawingml/2011/main" xmlns="" val="1"/>
             </a:ext>
           </a:extLst>
         </p:spPr>
@@ -27272,7 +27180,7 @@
           </a:ln>
           <a:extLst>
             <a:ext uri="{C572A759-6A51-4108-AA02-DFA0A04FC94B}">
-              <ma14:wrappingTextBoxFlag xmlns="" xmlns:ma14="http://schemas.microsoft.com/office/mac/drawingml/2011/main" val="1"/>
+              <ma14:wrappingTextBoxFlag xmlns:ma14="http://schemas.microsoft.com/office/mac/drawingml/2011/main" xmlns="" val="1"/>
             </a:ext>
           </a:extLst>
         </p:spPr>
@@ -27865,7 +27773,7 @@
           </a:ln>
           <a:extLst>
             <a:ext uri="{C572A759-6A51-4108-AA02-DFA0A04FC94B}">
-              <ma14:wrappingTextBoxFlag xmlns:ma14="http://schemas.microsoft.com/office/mac/drawingml/2011/main" xmlns="" val="1"/>
+              <ma14:wrappingTextBoxFlag xmlns="" xmlns:ma14="http://schemas.microsoft.com/office/mac/drawingml/2011/main" val="1"/>
             </a:ext>
           </a:extLst>
         </p:spPr>
@@ -28162,7 +28070,7 @@
           </a:ln>
           <a:extLst>
             <a:ext uri="{C572A759-6A51-4108-AA02-DFA0A04FC94B}">
-              <ma14:wrappingTextBoxFlag xmlns="" xmlns:ma14="http://schemas.microsoft.com/office/mac/drawingml/2011/main" val="1"/>
+              <ma14:wrappingTextBoxFlag xmlns:ma14="http://schemas.microsoft.com/office/mac/drawingml/2011/main" xmlns="" val="1"/>
             </a:ext>
           </a:extLst>
         </p:spPr>
@@ -29528,7 +29436,7 @@
           </a:ln>
           <a:extLst>
             <a:ext uri="{C572A759-6A51-4108-AA02-DFA0A04FC94B}">
-              <ma14:wrappingTextBoxFlag xmlns="" xmlns:ma14="http://schemas.microsoft.com/office/mac/drawingml/2011/main" val="1"/>
+              <ma14:wrappingTextBoxFlag xmlns:ma14="http://schemas.microsoft.com/office/mac/drawingml/2011/main" xmlns="" val="1"/>
             </a:ext>
           </a:extLst>
         </p:spPr>
@@ -30330,8 +30238,8 @@
           </a:p>
         </p:txBody>
       </p:sp>
-      <mc:AlternateContent xmlns:mc="http://schemas.openxmlformats.org/markup-compatibility/2006">
-        <mc:Choice xmlns:a14="http://schemas.microsoft.com/office/drawing/2010/main" Requires="a14">
+      <mc:AlternateContent xmlns:mc="http://schemas.openxmlformats.org/markup-compatibility/2006" xmlns:a14="http://schemas.microsoft.com/office/drawing/2010/main">
+        <mc:Choice Requires="a14">
           <p:sp>
             <p:nvSpPr>
               <p:cNvPr id="53" name="テキスト ボックス 4">
@@ -30495,7 +30403,7 @@
             </p:txBody>
           </p:sp>
         </mc:Choice>
-        <mc:Fallback>
+        <mc:Fallback xmlns="">
           <p:sp>
             <p:nvSpPr>
               <p:cNvPr id="53" name="テキスト ボックス 4">
@@ -30770,8 +30678,8 @@
           </a:prstGeom>
         </p:spPr>
       </p:pic>
-      <mc:AlternateContent xmlns:mc="http://schemas.openxmlformats.org/markup-compatibility/2006">
-        <mc:Choice xmlns:a14="http://schemas.microsoft.com/office/drawing/2010/main" Requires="a14">
+      <mc:AlternateContent xmlns:mc="http://schemas.openxmlformats.org/markup-compatibility/2006" xmlns:a14="http://schemas.microsoft.com/office/drawing/2010/main">
+        <mc:Choice Requires="a14">
           <p:sp>
             <p:nvSpPr>
               <p:cNvPr id="61" name="テキスト ボックス 4">
@@ -30869,6 +30777,7 @@
                 </a:lvl9pPr>
               </a:lstStyle>
               <a:p>
+                <a:pPr/>
                 <a14:m>
                   <m:oMathPara xmlns:m="http://schemas.openxmlformats.org/officeDocument/2006/math">
                     <m:oMathParaPr>
@@ -30945,7 +30854,7 @@
             </p:txBody>
           </p:sp>
         </mc:Choice>
-        <mc:Fallback>
+        <mc:Fallback xmlns="">
           <p:sp>
             <p:nvSpPr>
               <p:cNvPr id="61" name="テキスト ボックス 4">
@@ -30990,8 +30899,8 @@
           </p:sp>
         </mc:Fallback>
       </mc:AlternateContent>
-      <mc:AlternateContent xmlns:mc="http://schemas.openxmlformats.org/markup-compatibility/2006">
-        <mc:Choice xmlns:a14="http://schemas.microsoft.com/office/drawing/2010/main" Requires="a14">
+      <mc:AlternateContent xmlns:mc="http://schemas.openxmlformats.org/markup-compatibility/2006" xmlns:a14="http://schemas.microsoft.com/office/drawing/2010/main">
+        <mc:Choice Requires="a14">
           <p:sp>
             <p:nvSpPr>
               <p:cNvPr id="62" name="テキスト ボックス 4">
@@ -31089,6 +30998,7 @@
                 </a:lvl9pPr>
               </a:lstStyle>
               <a:p>
+                <a:pPr/>
                 <a14:m>
                   <m:oMathPara xmlns:m="http://schemas.openxmlformats.org/officeDocument/2006/math">
                     <m:oMathParaPr>
@@ -31171,7 +31081,7 @@
             </p:txBody>
           </p:sp>
         </mc:Choice>
-        <mc:Fallback>
+        <mc:Fallback xmlns="">
           <p:sp>
             <p:nvSpPr>
               <p:cNvPr id="62" name="テキスト ボックス 4">
@@ -31216,8 +31126,8 @@
           </p:sp>
         </mc:Fallback>
       </mc:AlternateContent>
-      <mc:AlternateContent xmlns:mc="http://schemas.openxmlformats.org/markup-compatibility/2006">
-        <mc:Choice xmlns:a14="http://schemas.microsoft.com/office/drawing/2010/main" Requires="a14">
+      <mc:AlternateContent xmlns:mc="http://schemas.openxmlformats.org/markup-compatibility/2006" xmlns:a14="http://schemas.microsoft.com/office/drawing/2010/main">
+        <mc:Choice Requires="a14">
           <p:sp>
             <p:nvSpPr>
               <p:cNvPr id="11" name="テキスト ボックス 10">
@@ -31306,7 +31216,7 @@
             </p:txBody>
           </p:sp>
         </mc:Choice>
-        <mc:Fallback>
+        <mc:Fallback xmlns="">
           <p:sp>
             <p:nvSpPr>
               <p:cNvPr id="11" name="テキスト ボックス 10">
@@ -31402,8 +31312,8 @@
           </a:p>
         </p:txBody>
       </p:sp>
-      <mc:AlternateContent xmlns:mc="http://schemas.openxmlformats.org/markup-compatibility/2006">
-        <mc:Choice xmlns:a14="http://schemas.microsoft.com/office/drawing/2010/main" Requires="a14">
+      <mc:AlternateContent xmlns:mc="http://schemas.openxmlformats.org/markup-compatibility/2006" xmlns:a14="http://schemas.microsoft.com/office/drawing/2010/main">
+        <mc:Choice Requires="a14">
           <p:sp>
             <p:nvSpPr>
               <p:cNvPr id="63" name="テキスト ボックス 62">
@@ -31484,7 +31394,7 @@
             </p:txBody>
           </p:sp>
         </mc:Choice>
-        <mc:Fallback>
+        <mc:Fallback xmlns="">
           <p:sp>
             <p:nvSpPr>
               <p:cNvPr id="63" name="テキスト ボックス 62">
@@ -31584,7 +31494,7 @@
           </a:ln>
           <a:extLst>
             <a:ext uri="{C572A759-6A51-4108-AA02-DFA0A04FC94B}">
-              <ma14:wrappingTextBoxFlag xmlns="" xmlns:ma14="http://schemas.microsoft.com/office/mac/drawingml/2011/main" val="1"/>
+              <ma14:wrappingTextBoxFlag xmlns:ma14="http://schemas.microsoft.com/office/mac/drawingml/2011/main" xmlns="" val="1"/>
             </a:ext>
           </a:extLst>
         </p:spPr>
@@ -31648,7 +31558,7 @@
           <p:nvPr>
             <p:extLst>
               <p:ext uri="{D42A27DB-BD31-4B8C-83A1-F6EECF244321}">
-                <p14:modId xmlns:p14="http://schemas.microsoft.com/office/powerpoint/2010/main" val="3996422041"/>
+                <p14:modId xmlns:p14="http://schemas.microsoft.com/office/powerpoint/2010/main" val="1428702383"/>
               </p:ext>
             </p:extLst>
           </p:nvPr>
@@ -32242,15 +32152,7 @@
                     <a:p>
                       <a:r>
                         <a:rPr kumimoji="1" lang="en-US" altLang="ja-JP" sz="2000" dirty="0"/>
-                        <a:t>(</a:t>
-                      </a:r>
-                      <a:r>
-                        <a:rPr kumimoji="1" lang="ja-JP" altLang="en-US" sz="2000" dirty="0"/>
-                        <a:t>無し</a:t>
-                      </a:r>
-                      <a:r>
-                        <a:rPr kumimoji="1" lang="en-US" altLang="ja-JP" sz="2000" dirty="0"/>
-                        <a:t>)</a:t>
+                        <a:t> - </a:t>
                       </a:r>
                       <a:endParaRPr kumimoji="1" lang="ja-JP" altLang="en-US" sz="2000" dirty="0"/>
                     </a:p>
@@ -32370,15 +32272,7 @@
                     <a:p>
                       <a:r>
                         <a:rPr kumimoji="1" lang="en-US" altLang="ja-JP" sz="2000" dirty="0"/>
-                        <a:t>(</a:t>
-                      </a:r>
-                      <a:r>
-                        <a:rPr kumimoji="1" lang="ja-JP" altLang="en-US" sz="2000" dirty="0"/>
-                        <a:t>無し</a:t>
-                      </a:r>
-                      <a:r>
-                        <a:rPr kumimoji="1" lang="en-US" altLang="ja-JP" sz="2000" dirty="0"/>
-                        <a:t>)</a:t>
+                        <a:t> - </a:t>
                       </a:r>
                       <a:endParaRPr kumimoji="1" lang="ja-JP" altLang="en-US" sz="2000" dirty="0"/>
                     </a:p>
@@ -32601,7 +32495,7 @@
           </a:ln>
           <a:extLst>
             <a:ext uri="{C572A759-6A51-4108-AA02-DFA0A04FC94B}">
-              <ma14:wrappingTextBoxFlag xmlns="" xmlns:ma14="http://schemas.microsoft.com/office/mac/drawingml/2011/main" val="1"/>
+              <ma14:wrappingTextBoxFlag xmlns:ma14="http://schemas.microsoft.com/office/mac/drawingml/2011/main" xmlns="" val="1"/>
             </a:ext>
           </a:extLst>
         </p:spPr>
@@ -32745,8 +32639,8 @@
           </a:p>
         </p:txBody>
       </p:sp>
-      <mc:AlternateContent xmlns:mc="http://schemas.openxmlformats.org/markup-compatibility/2006">
-        <mc:Choice xmlns:a14="http://schemas.microsoft.com/office/drawing/2010/main" Requires="a14">
+      <mc:AlternateContent xmlns:mc="http://schemas.openxmlformats.org/markup-compatibility/2006" xmlns:a14="http://schemas.microsoft.com/office/drawing/2010/main">
+        <mc:Choice Requires="a14">
           <p:graphicFrame>
             <p:nvGraphicFramePr>
               <p:cNvPr id="6" name="表 6">
@@ -33034,6 +32928,7 @@
                         <a:bodyPr/>
                         <a:lstStyle/>
                         <a:p>
+                          <a:pPr/>
                           <a14:m>
                             <m:oMathPara xmlns:m="http://schemas.openxmlformats.org/officeDocument/2006/math">
                               <m:oMathParaPr>
@@ -33150,6 +33045,7 @@
                         <a:bodyPr/>
                         <a:lstStyle/>
                         <a:p>
+                          <a:pPr/>
                           <a14:m>
                             <m:oMathPara xmlns:m="http://schemas.openxmlformats.org/officeDocument/2006/math">
                               <m:oMathParaPr>
@@ -33277,6 +33173,7 @@
                         <a:bodyPr/>
                         <a:lstStyle/>
                         <a:p>
+                          <a:pPr/>
                           <a14:m>
                             <m:oMathPara xmlns:m="http://schemas.openxmlformats.org/officeDocument/2006/math">
                               <m:oMathParaPr>
@@ -33396,7 +33293,7 @@
             </a:graphic>
           </p:graphicFrame>
         </mc:Choice>
-        <mc:Fallback>
+        <mc:Fallback xmlns="">
           <p:graphicFrame>
             <p:nvGraphicFramePr>
               <p:cNvPr id="6" name="表 6">
@@ -33867,8 +33764,8 @@
         </p:nvSpPr>
         <p:spPr>
           <a:xfrm>
-            <a:off x="2494280" y="6295138"/>
-            <a:ext cx="7010252" cy="400110"/>
+            <a:off x="1695145" y="6282505"/>
+            <a:ext cx="9062096" cy="400110"/>
           </a:xfrm>
           <a:prstGeom prst="rect">
             <a:avLst/>
@@ -33882,6 +33779,10 @@
           <a:lstStyle/>
           <a:p>
             <a:pPr algn="l"/>
+            <a:r>
+              <a:rPr kumimoji="1" lang="ja-JP" altLang="en-US" sz="2000" u="sng" dirty="0"/>
+              <a:t>回転運動に関する</a:t>
+            </a:r>
             <a:r>
               <a:rPr kumimoji="1" lang="en-US" altLang="ja-JP" sz="2000" u="sng" dirty="0" err="1"/>
               <a:t>MSL</a:t>
@@ -33956,7 +33857,7 @@
           </a:ln>
           <a:extLst>
             <a:ext uri="{C572A759-6A51-4108-AA02-DFA0A04FC94B}">
-              <ma14:wrappingTextBoxFlag xmlns="" xmlns:ma14="http://schemas.microsoft.com/office/mac/drawingml/2011/main" val="1"/>
+              <ma14:wrappingTextBoxFlag xmlns:ma14="http://schemas.microsoft.com/office/mac/drawingml/2011/main" xmlns="" val="1"/>
             </a:ext>
           </a:extLst>
         </p:spPr>
@@ -34190,7 +34091,7 @@
           </a:ln>
           <a:extLst>
             <a:ext uri="{C572A759-6A51-4108-AA02-DFA0A04FC94B}">
-              <ma14:wrappingTextBoxFlag xmlns="" xmlns:ma14="http://schemas.microsoft.com/office/mac/drawingml/2011/main" val="1"/>
+              <ma14:wrappingTextBoxFlag xmlns:ma14="http://schemas.microsoft.com/office/mac/drawingml/2011/main" xmlns="" val="1"/>
             </a:ext>
           </a:extLst>
         </p:spPr>
@@ -34444,7 +34345,7 @@
           </a:ln>
           <a:extLst>
             <a:ext uri="{C572A759-6A51-4108-AA02-DFA0A04FC94B}">
-              <ma14:wrappingTextBoxFlag xmlns="" xmlns:ma14="http://schemas.microsoft.com/office/mac/drawingml/2011/main" val="1"/>
+              <ma14:wrappingTextBoxFlag xmlns:ma14="http://schemas.microsoft.com/office/mac/drawingml/2011/main" xmlns="" val="1"/>
             </a:ext>
           </a:extLst>
         </p:spPr>
@@ -34688,7 +34589,7 @@
           </a:ln>
           <a:extLst>
             <a:ext uri="{C572A759-6A51-4108-AA02-DFA0A04FC94B}">
-              <ma14:wrappingTextBoxFlag xmlns="" xmlns:ma14="http://schemas.microsoft.com/office/mac/drawingml/2011/main" val="1"/>
+              <ma14:wrappingTextBoxFlag xmlns:ma14="http://schemas.microsoft.com/office/mac/drawingml/2011/main" xmlns="" val="1"/>
             </a:ext>
           </a:extLst>
         </p:spPr>
@@ -34816,7 +34717,7 @@
           </a:ln>
           <a:extLst>
             <a:ext uri="{C572A759-6A51-4108-AA02-DFA0A04FC94B}">
-              <ma14:wrappingTextBoxFlag xmlns="" xmlns:ma14="http://schemas.microsoft.com/office/mac/drawingml/2011/main" val="1"/>
+              <ma14:wrappingTextBoxFlag xmlns:ma14="http://schemas.microsoft.com/office/mac/drawingml/2011/main" xmlns="" val="1"/>
             </a:ext>
           </a:extLst>
         </p:spPr>
@@ -35503,7 +35404,7 @@
           </a:ln>
           <a:extLst>
             <a:ext uri="{C572A759-6A51-4108-AA02-DFA0A04FC94B}">
-              <ma14:wrappingTextBoxFlag xmlns="" xmlns:ma14="http://schemas.microsoft.com/office/mac/drawingml/2011/main" val="1"/>
+              <ma14:wrappingTextBoxFlag xmlns:ma14="http://schemas.microsoft.com/office/mac/drawingml/2011/main" xmlns="" val="1"/>
             </a:ext>
           </a:extLst>
         </p:spPr>
@@ -36356,7 +36257,7 @@
           </a:ln>
           <a:extLst>
             <a:ext uri="{C572A759-6A51-4108-AA02-DFA0A04FC94B}">
-              <ma14:wrappingTextBoxFlag xmlns="" xmlns:ma14="http://schemas.microsoft.com/office/mac/drawingml/2011/main" val="1"/>
+              <ma14:wrappingTextBoxFlag xmlns:ma14="http://schemas.microsoft.com/office/mac/drawingml/2011/main" xmlns="" val="1"/>
             </a:ext>
           </a:extLst>
         </p:spPr>
@@ -36890,7 +36791,7 @@
           </a:ln>
           <a:extLst>
             <a:ext uri="{C572A759-6A51-4108-AA02-DFA0A04FC94B}">
-              <ma14:wrappingTextBoxFlag xmlns="" xmlns:ma14="http://schemas.microsoft.com/office/mac/drawingml/2011/main" val="1"/>
+              <ma14:wrappingTextBoxFlag xmlns:ma14="http://schemas.microsoft.com/office/mac/drawingml/2011/main" xmlns="" val="1"/>
             </a:ext>
           </a:extLst>
         </p:spPr>
@@ -37084,7 +36985,7 @@
           </a:ln>
           <a:extLst>
             <a:ext uri="{C572A759-6A51-4108-AA02-DFA0A04FC94B}">
-              <ma14:wrappingTextBoxFlag xmlns="" xmlns:ma14="http://schemas.microsoft.com/office/mac/drawingml/2011/main" val="1"/>
+              <ma14:wrappingTextBoxFlag xmlns:ma14="http://schemas.microsoft.com/office/mac/drawingml/2011/main" xmlns="" val="1"/>
             </a:ext>
           </a:extLst>
         </p:spPr>
@@ -37910,7 +37811,7 @@
           </a:ln>
           <a:extLst>
             <a:ext uri="{C572A759-6A51-4108-AA02-DFA0A04FC94B}">
-              <ma14:wrappingTextBoxFlag xmlns="" xmlns:ma14="http://schemas.microsoft.com/office/mac/drawingml/2011/main" val="1"/>
+              <ma14:wrappingTextBoxFlag xmlns:ma14="http://schemas.microsoft.com/office/mac/drawingml/2011/main" xmlns="" val="1"/>
             </a:ext>
           </a:extLst>
         </p:spPr>

--- a/7_PhysicsDomainModel/OpenModelica_Tutorials_7_PlantModel.pptx
+++ b/7_PhysicsDomainModel/OpenModelica_Tutorials_7_PlantModel.pptx
@@ -5,7 +5,7 @@
     <p:sldMasterId id="2147483648" r:id="rId1"/>
   </p:sldMasterIdLst>
   <p:notesMasterIdLst>
-    <p:notesMasterId r:id="rId39"/>
+    <p:notesMasterId r:id="rId40"/>
   </p:notesMasterIdLst>
   <p:sldIdLst>
     <p:sldId id="256" r:id="rId2"/>
@@ -41,10 +41,11 @@
     <p:sldId id="441" r:id="rId32"/>
     <p:sldId id="437" r:id="rId33"/>
     <p:sldId id="447" r:id="rId34"/>
-    <p:sldId id="440" r:id="rId35"/>
-    <p:sldId id="449" r:id="rId36"/>
-    <p:sldId id="398" r:id="rId37"/>
-    <p:sldId id="432" r:id="rId38"/>
+    <p:sldId id="450" r:id="rId35"/>
+    <p:sldId id="440" r:id="rId36"/>
+    <p:sldId id="449" r:id="rId37"/>
+    <p:sldId id="398" r:id="rId38"/>
+    <p:sldId id="432" r:id="rId39"/>
   </p:sldIdLst>
   <p:sldSz cx="12192000" cy="6858000"/>
   <p:notesSz cx="6858000" cy="9144000"/>
@@ -6206,7 +6207,7 @@
           <a:p>
             <a:fld id="{C4670700-DA66-4BAD-8F9F-A4A758D36ABA}" type="datetimeFigureOut">
               <a:rPr kumimoji="1" lang="ja-JP" altLang="en-US" smtClean="0"/>
-              <a:t>2021/11/11</a:t>
+              <a:t>2022/3/3</a:t>
             </a:fld>
             <a:endParaRPr kumimoji="1" lang="ja-JP" altLang="en-US"/>
           </a:p>
@@ -6652,7 +6653,7 @@
           <a:p>
             <a:fld id="{8C7CD75D-5D39-4864-BA19-483584E59DC6}" type="datetime1">
               <a:rPr kumimoji="1" lang="ja-JP" altLang="en-US" smtClean="0"/>
-              <a:t>2021/11/11</a:t>
+              <a:t>2022/3/3</a:t>
             </a:fld>
             <a:endParaRPr kumimoji="1" lang="ja-JP" altLang="en-US"/>
           </a:p>
@@ -6882,7 +6883,7 @@
           <a:p>
             <a:fld id="{1C307E19-2163-42CA-82DC-48CC766E044B}" type="datetime1">
               <a:rPr kumimoji="1" lang="ja-JP" altLang="en-US" smtClean="0"/>
-              <a:t>2021/11/11</a:t>
+              <a:t>2022/3/3</a:t>
             </a:fld>
             <a:endParaRPr kumimoji="1" lang="ja-JP" altLang="en-US"/>
           </a:p>
@@ -7122,7 +7123,7 @@
           <a:p>
             <a:fld id="{0C48A713-F20E-46DB-BBA7-BA87B95082A3}" type="datetime1">
               <a:rPr kumimoji="1" lang="ja-JP" altLang="en-US" smtClean="0"/>
-              <a:t>2021/11/11</a:t>
+              <a:t>2022/3/3</a:t>
             </a:fld>
             <a:endParaRPr kumimoji="1" lang="ja-JP" altLang="en-US"/>
           </a:p>
@@ -7352,7 +7353,7 @@
           <a:p>
             <a:fld id="{FFE92058-C063-4892-89E0-629CA4ED9E07}" type="datetime1">
               <a:rPr kumimoji="1" lang="ja-JP" altLang="en-US" smtClean="0"/>
-              <a:t>2021/11/11</a:t>
+              <a:t>2022/3/3</a:t>
             </a:fld>
             <a:endParaRPr kumimoji="1" lang="ja-JP" altLang="en-US"/>
           </a:p>
@@ -7627,7 +7628,7 @@
           <a:p>
             <a:fld id="{130C667B-2598-4471-9768-C5333B4E3B3A}" type="datetime1">
               <a:rPr kumimoji="1" lang="ja-JP" altLang="en-US" smtClean="0"/>
-              <a:t>2021/11/11</a:t>
+              <a:t>2022/3/3</a:t>
             </a:fld>
             <a:endParaRPr kumimoji="1" lang="ja-JP" altLang="en-US"/>
           </a:p>
@@ -7956,7 +7957,7 @@
           <a:p>
             <a:fld id="{0FDAB949-15F5-4ABF-BB00-18FEF780E713}" type="datetime1">
               <a:rPr kumimoji="1" lang="ja-JP" altLang="en-US" smtClean="0"/>
-              <a:t>2021/11/11</a:t>
+              <a:t>2022/3/3</a:t>
             </a:fld>
             <a:endParaRPr kumimoji="1" lang="ja-JP" altLang="en-US"/>
           </a:p>
@@ -8432,7 +8433,7 @@
           <a:p>
             <a:fld id="{BFA3EF9D-1463-4821-9ADE-47DF05549453}" type="datetime1">
               <a:rPr kumimoji="1" lang="ja-JP" altLang="en-US" smtClean="0"/>
-              <a:t>2021/11/11</a:t>
+              <a:t>2022/3/3</a:t>
             </a:fld>
             <a:endParaRPr kumimoji="1" lang="ja-JP" altLang="en-US"/>
           </a:p>
@@ -8573,7 +8574,7 @@
           <a:p>
             <a:fld id="{4586F5B6-9586-4E05-85A5-BC7C32648190}" type="datetime1">
               <a:rPr kumimoji="1" lang="ja-JP" altLang="en-US" smtClean="0"/>
-              <a:t>2021/11/11</a:t>
+              <a:t>2022/3/3</a:t>
             </a:fld>
             <a:endParaRPr kumimoji="1" lang="ja-JP" altLang="en-US"/>
           </a:p>
@@ -8686,7 +8687,7 @@
           <a:p>
             <a:fld id="{76504571-7FEB-4311-BB38-1994795B53A0}" type="datetime1">
               <a:rPr kumimoji="1" lang="ja-JP" altLang="en-US" smtClean="0"/>
-              <a:t>2021/11/11</a:t>
+              <a:t>2022/3/3</a:t>
             </a:fld>
             <a:endParaRPr kumimoji="1" lang="ja-JP" altLang="en-US"/>
           </a:p>
@@ -9029,7 +9030,7 @@
           <a:p>
             <a:fld id="{F5C721FD-BC0F-4FE9-9E95-F806C64C8B82}" type="datetime1">
               <a:rPr kumimoji="1" lang="ja-JP" altLang="en-US" smtClean="0"/>
-              <a:t>2021/11/11</a:t>
+              <a:t>2022/3/3</a:t>
             </a:fld>
             <a:endParaRPr kumimoji="1" lang="ja-JP" altLang="en-US"/>
           </a:p>
@@ -9317,7 +9318,7 @@
           <a:p>
             <a:fld id="{77542B22-E5B0-40C6-9DA2-3A5D4E7B0D80}" type="datetime1">
               <a:rPr kumimoji="1" lang="ja-JP" altLang="en-US" smtClean="0"/>
-              <a:t>2021/11/11</a:t>
+              <a:t>2022/3/3</a:t>
             </a:fld>
             <a:endParaRPr kumimoji="1" lang="ja-JP" altLang="en-US"/>
           </a:p>
@@ -9590,7 +9591,7 @@
           <a:p>
             <a:fld id="{CE100500-5C7E-429C-8088-58F3D6003A7E}" type="datetime1">
               <a:rPr kumimoji="1" lang="ja-JP" altLang="en-US" smtClean="0"/>
-              <a:t>2021/11/11</a:t>
+              <a:t>2022/3/3</a:t>
             </a:fld>
             <a:endParaRPr kumimoji="1" lang="ja-JP" altLang="en-US"/>
           </a:p>
@@ -10389,7 +10390,7 @@
           </a:ln>
           <a:extLst>
             <a:ext uri="{C572A759-6A51-4108-AA02-DFA0A04FC94B}">
-              <ma14:wrappingTextBoxFlag xmlns:ma14="http://schemas.microsoft.com/office/mac/drawingml/2011/main" xmlns="" val="1"/>
+              <ma14:wrappingTextBoxFlag xmlns="" xmlns:ma14="http://schemas.microsoft.com/office/mac/drawingml/2011/main" val="1"/>
             </a:ext>
           </a:extLst>
         </p:spPr>
@@ -11473,7 +11474,7 @@
           </a:ln>
           <a:extLst>
             <a:ext uri="{C572A759-6A51-4108-AA02-DFA0A04FC94B}">
-              <ma14:wrappingTextBoxFlag xmlns:ma14="http://schemas.microsoft.com/office/mac/drawingml/2011/main" xmlns="" val="1"/>
+              <ma14:wrappingTextBoxFlag xmlns="" xmlns:ma14="http://schemas.microsoft.com/office/mac/drawingml/2011/main" val="1"/>
             </a:ext>
           </a:extLst>
         </p:spPr>
@@ -11980,7 +11981,7 @@
           </a:ln>
           <a:extLst>
             <a:ext uri="{C572A759-6A51-4108-AA02-DFA0A04FC94B}">
-              <ma14:wrappingTextBoxFlag xmlns:ma14="http://schemas.microsoft.com/office/mac/drawingml/2011/main" xmlns="" val="1"/>
+              <ma14:wrappingTextBoxFlag xmlns="" xmlns:ma14="http://schemas.microsoft.com/office/mac/drawingml/2011/main" val="1"/>
             </a:ext>
           </a:extLst>
         </p:spPr>
@@ -13852,7 +13853,7 @@
           </a:ln>
           <a:extLst>
             <a:ext uri="{C572A759-6A51-4108-AA02-DFA0A04FC94B}">
-              <ma14:wrappingTextBoxFlag xmlns:ma14="http://schemas.microsoft.com/office/mac/drawingml/2011/main" xmlns="" val="1"/>
+              <ma14:wrappingTextBoxFlag xmlns="" xmlns:ma14="http://schemas.microsoft.com/office/mac/drawingml/2011/main" val="1"/>
             </a:ext>
           </a:extLst>
         </p:spPr>
@@ -14081,7 +14082,7 @@
           </a:ln>
           <a:extLst>
             <a:ext uri="{C572A759-6A51-4108-AA02-DFA0A04FC94B}">
-              <ma14:wrappingTextBoxFlag xmlns:ma14="http://schemas.microsoft.com/office/mac/drawingml/2011/main" xmlns="" val="1"/>
+              <ma14:wrappingTextBoxFlag xmlns="" xmlns:ma14="http://schemas.microsoft.com/office/mac/drawingml/2011/main" val="1"/>
             </a:ext>
           </a:extLst>
         </p:spPr>
@@ -15160,8 +15161,8 @@
           </a:p>
         </p:txBody>
       </p:sp>
-      <mc:AlternateContent xmlns:mc="http://schemas.openxmlformats.org/markup-compatibility/2006">
-        <mc:Choice xmlns:a14="http://schemas.microsoft.com/office/drawing/2010/main" Requires="a14">
+      <mc:AlternateContent xmlns:mc="http://schemas.openxmlformats.org/markup-compatibility/2006" xmlns:a14="http://schemas.microsoft.com/office/drawing/2010/main">
+        <mc:Choice Requires="a14">
           <p:sp>
             <p:nvSpPr>
               <p:cNvPr id="25" name="テキスト ボックス 24">
@@ -15294,7 +15295,7 @@
             </p:txBody>
           </p:sp>
         </mc:Choice>
-        <mc:Fallback>
+        <mc:Fallback xmlns="">
           <p:sp>
             <p:nvSpPr>
               <p:cNvPr id="25" name="テキスト ボックス 24">
@@ -15464,7 +15465,7 @@
           </a:ln>
           <a:extLst>
             <a:ext uri="{C572A759-6A51-4108-AA02-DFA0A04FC94B}">
-              <ma14:wrappingTextBoxFlag xmlns:ma14="http://schemas.microsoft.com/office/mac/drawingml/2011/main" xmlns="" val="1"/>
+              <ma14:wrappingTextBoxFlag xmlns="" xmlns:ma14="http://schemas.microsoft.com/office/mac/drawingml/2011/main" val="1"/>
             </a:ext>
           </a:extLst>
         </p:spPr>
@@ -16105,8 +16106,8 @@
           </a:p>
         </p:txBody>
       </p:sp>
-      <mc:AlternateContent xmlns:mc="http://schemas.openxmlformats.org/markup-compatibility/2006">
-        <mc:Choice xmlns:a14="http://schemas.microsoft.com/office/drawing/2010/main" Requires="a14">
+      <mc:AlternateContent xmlns:mc="http://schemas.openxmlformats.org/markup-compatibility/2006" xmlns:a14="http://schemas.microsoft.com/office/drawing/2010/main">
+        <mc:Choice Requires="a14">
           <p:sp>
             <p:nvSpPr>
               <p:cNvPr id="26" name="テキスト ボックス 25">
@@ -16281,7 +16282,7 @@
             </p:txBody>
           </p:sp>
         </mc:Choice>
-        <mc:Fallback>
+        <mc:Fallback xmlns="">
           <p:sp>
             <p:nvSpPr>
               <p:cNvPr id="26" name="テキスト ボックス 25">
@@ -16711,7 +16712,7 @@
           </a:ln>
           <a:extLst>
             <a:ext uri="{C572A759-6A51-4108-AA02-DFA0A04FC94B}">
-              <ma14:wrappingTextBoxFlag xmlns:ma14="http://schemas.microsoft.com/office/mac/drawingml/2011/main" xmlns="" val="1"/>
+              <ma14:wrappingTextBoxFlag xmlns="" xmlns:ma14="http://schemas.microsoft.com/office/mac/drawingml/2011/main" val="1"/>
             </a:ext>
           </a:extLst>
         </p:spPr>
@@ -18377,7 +18378,7 @@
           </a:ln>
           <a:extLst>
             <a:ext uri="{C572A759-6A51-4108-AA02-DFA0A04FC94B}">
-              <ma14:wrappingTextBoxFlag xmlns:ma14="http://schemas.microsoft.com/office/mac/drawingml/2011/main" xmlns="" val="1"/>
+              <ma14:wrappingTextBoxFlag xmlns="" xmlns:ma14="http://schemas.microsoft.com/office/mac/drawingml/2011/main" val="1"/>
             </a:ext>
           </a:extLst>
         </p:spPr>
@@ -19359,7 +19360,7 @@
           </a:ln>
           <a:extLst>
             <a:ext uri="{C572A759-6A51-4108-AA02-DFA0A04FC94B}">
-              <ma14:wrappingTextBoxFlag xmlns:ma14="http://schemas.microsoft.com/office/mac/drawingml/2011/main" xmlns="" val="1"/>
+              <ma14:wrappingTextBoxFlag xmlns="" xmlns:ma14="http://schemas.microsoft.com/office/mac/drawingml/2011/main" val="1"/>
             </a:ext>
           </a:extLst>
         </p:spPr>
@@ -20449,7 +20450,7 @@
           </a:ln>
           <a:extLst>
             <a:ext uri="{C572A759-6A51-4108-AA02-DFA0A04FC94B}">
-              <ma14:wrappingTextBoxFlag xmlns:ma14="http://schemas.microsoft.com/office/mac/drawingml/2011/main" xmlns="" val="1"/>
+              <ma14:wrappingTextBoxFlag xmlns="" xmlns:ma14="http://schemas.microsoft.com/office/mac/drawingml/2011/main" val="1"/>
             </a:ext>
           </a:extLst>
         </p:spPr>
@@ -21094,7 +21095,7 @@
           </a:ln>
           <a:extLst>
             <a:ext uri="{C572A759-6A51-4108-AA02-DFA0A04FC94B}">
-              <ma14:wrappingTextBoxFlag xmlns:ma14="http://schemas.microsoft.com/office/mac/drawingml/2011/main" xmlns="" val="1"/>
+              <ma14:wrappingTextBoxFlag xmlns="" xmlns:ma14="http://schemas.microsoft.com/office/mac/drawingml/2011/main" val="1"/>
             </a:ext>
           </a:extLst>
         </p:spPr>
@@ -21383,7 +21384,7 @@
           </a:ln>
           <a:extLst>
             <a:ext uri="{C572A759-6A51-4108-AA02-DFA0A04FC94B}">
-              <ma14:wrappingTextBoxFlag xmlns:ma14="http://schemas.microsoft.com/office/mac/drawingml/2011/main" xmlns="" val="1"/>
+              <ma14:wrappingTextBoxFlag xmlns="" xmlns:ma14="http://schemas.microsoft.com/office/mac/drawingml/2011/main" val="1"/>
             </a:ext>
           </a:extLst>
         </p:spPr>
@@ -21821,7 +21822,7 @@
           </a:ln>
           <a:extLst>
             <a:ext uri="{C572A759-6A51-4108-AA02-DFA0A04FC94B}">
-              <ma14:wrappingTextBoxFlag xmlns:ma14="http://schemas.microsoft.com/office/mac/drawingml/2011/main" xmlns="" val="1"/>
+              <ma14:wrappingTextBoxFlag xmlns="" xmlns:ma14="http://schemas.microsoft.com/office/mac/drawingml/2011/main" val="1"/>
             </a:ext>
           </a:extLst>
         </p:spPr>
@@ -23691,7 +23692,7 @@
           </a:ln>
           <a:extLst>
             <a:ext uri="{C572A759-6A51-4108-AA02-DFA0A04FC94B}">
-              <ma14:wrappingTextBoxFlag xmlns:ma14="http://schemas.microsoft.com/office/mac/drawingml/2011/main" xmlns="" val="1"/>
+              <ma14:wrappingTextBoxFlag xmlns="" xmlns:ma14="http://schemas.microsoft.com/office/mac/drawingml/2011/main" val="1"/>
             </a:ext>
           </a:extLst>
         </p:spPr>
@@ -24673,7 +24674,7 @@
           </a:ln>
           <a:extLst>
             <a:ext uri="{C572A759-6A51-4108-AA02-DFA0A04FC94B}">
-              <ma14:wrappingTextBoxFlag xmlns:ma14="http://schemas.microsoft.com/office/mac/drawingml/2011/main" xmlns="" val="1"/>
+              <ma14:wrappingTextBoxFlag xmlns="" xmlns:ma14="http://schemas.microsoft.com/office/mac/drawingml/2011/main" val="1"/>
             </a:ext>
           </a:extLst>
         </p:spPr>
@@ -25603,7 +25604,7 @@
           </a:ln>
           <a:extLst>
             <a:ext uri="{C572A759-6A51-4108-AA02-DFA0A04FC94B}">
-              <ma14:wrappingTextBoxFlag xmlns:ma14="http://schemas.microsoft.com/office/mac/drawingml/2011/main" xmlns="" val="1"/>
+              <ma14:wrappingTextBoxFlag xmlns="" xmlns:ma14="http://schemas.microsoft.com/office/mac/drawingml/2011/main" val="1"/>
             </a:ext>
           </a:extLst>
         </p:spPr>
@@ -26610,7 +26611,7 @@
           </a:ln>
           <a:extLst>
             <a:ext uri="{C572A759-6A51-4108-AA02-DFA0A04FC94B}">
-              <ma14:wrappingTextBoxFlag xmlns:ma14="http://schemas.microsoft.com/office/mac/drawingml/2011/main" xmlns="" val="1"/>
+              <ma14:wrappingTextBoxFlag xmlns="" xmlns:ma14="http://schemas.microsoft.com/office/mac/drawingml/2011/main" val="1"/>
             </a:ext>
           </a:extLst>
         </p:spPr>
@@ -27180,7 +27181,7 @@
           </a:ln>
           <a:extLst>
             <a:ext uri="{C572A759-6A51-4108-AA02-DFA0A04FC94B}">
-              <ma14:wrappingTextBoxFlag xmlns:ma14="http://schemas.microsoft.com/office/mac/drawingml/2011/main" xmlns="" val="1"/>
+              <ma14:wrappingTextBoxFlag xmlns="" xmlns:ma14="http://schemas.microsoft.com/office/mac/drawingml/2011/main" val="1"/>
             </a:ext>
           </a:extLst>
         </p:spPr>
@@ -27256,7 +27257,7 @@
         </p:blipFill>
         <p:spPr>
           <a:xfrm>
-            <a:off x="2836403" y="3460061"/>
+            <a:off x="2836403" y="3785181"/>
             <a:ext cx="940766" cy="1020885"/>
           </a:xfrm>
           <a:prstGeom prst="rect">
@@ -27278,7 +27279,7 @@
         </p:nvSpPr>
         <p:spPr>
           <a:xfrm>
-            <a:off x="2637372" y="4522078"/>
+            <a:off x="2637372" y="4847198"/>
             <a:ext cx="1338828" cy="369332"/>
           </a:xfrm>
           <a:prstGeom prst="rect">
@@ -27321,7 +27322,7 @@
         </p:blipFill>
         <p:spPr>
           <a:xfrm>
-            <a:off x="2680387" y="1624438"/>
+            <a:off x="2680387" y="1949558"/>
             <a:ext cx="1252799" cy="1222635"/>
           </a:xfrm>
           <a:prstGeom prst="rect">
@@ -27343,7 +27344,7 @@
         </p:nvSpPr>
         <p:spPr>
           <a:xfrm>
-            <a:off x="2983621" y="2844129"/>
+            <a:off x="2983621" y="3179409"/>
             <a:ext cx="646331" cy="369332"/>
           </a:xfrm>
           <a:prstGeom prst="rect">
@@ -27387,7 +27388,7 @@
         </p:blipFill>
         <p:spPr>
           <a:xfrm>
-            <a:off x="2762959" y="5234715"/>
+            <a:off x="2762959" y="5559835"/>
             <a:ext cx="1087655" cy="849916"/>
           </a:xfrm>
           <a:prstGeom prst="rect">
@@ -27409,7 +27410,7 @@
         </p:nvSpPr>
         <p:spPr>
           <a:xfrm>
-            <a:off x="2983621" y="6055470"/>
+            <a:off x="2983621" y="6380590"/>
             <a:ext cx="646331" cy="369332"/>
           </a:xfrm>
           <a:prstGeom prst="rect">
@@ -27446,7 +27447,7 @@
         <p:spPr>
           <a:xfrm>
             <a:off x="862204" y="1067318"/>
-            <a:ext cx="10882184" cy="830997"/>
+            <a:ext cx="10882184" cy="1200329"/>
           </a:xfrm>
           <a:prstGeom prst="rect">
             <a:avLst/>
@@ -27468,6 +27469,22 @@
               <a:rPr kumimoji="1" lang="ja-JP" altLang="en-US" sz="2400" dirty="0"/>
               <a:t>を使用して、以下のモデルのソースコードを確認しどのように方程式が定義されているか確認してみてください</a:t>
             </a:r>
+            <a:endParaRPr kumimoji="1" lang="en-US" altLang="ja-JP" sz="2400" dirty="0"/>
+          </a:p>
+          <a:p>
+            <a:r>
+              <a:rPr kumimoji="1" lang="en-US" altLang="ja-JP" sz="2400" dirty="0"/>
+              <a:t>(</a:t>
+            </a:r>
+            <a:r>
+              <a:rPr kumimoji="1" lang="ja-JP" altLang="en-US" sz="2400" dirty="0"/>
+              <a:t>解答資料無し　ご要望があれば作成します</a:t>
+            </a:r>
+            <a:r>
+              <a:rPr kumimoji="1" lang="en-US" altLang="ja-JP" sz="2400" dirty="0"/>
+              <a:t>)</a:t>
+            </a:r>
+            <a:endParaRPr kumimoji="1" lang="ja-JP" altLang="en-US" sz="2400" dirty="0"/>
           </a:p>
         </p:txBody>
       </p:sp>
@@ -27479,7 +27496,7 @@
         </p:nvSpPr>
         <p:spPr>
           <a:xfrm>
-            <a:off x="4185202" y="4092803"/>
+            <a:off x="4185202" y="4417923"/>
             <a:ext cx="4711546" cy="369332"/>
           </a:xfrm>
           <a:prstGeom prst="rect">
@@ -27519,7 +27536,7 @@
         </p:nvSpPr>
         <p:spPr>
           <a:xfrm>
-            <a:off x="4185202" y="2186556"/>
+            <a:off x="4185202" y="2521836"/>
             <a:ext cx="5732660" cy="369332"/>
           </a:xfrm>
           <a:prstGeom prst="rect">
@@ -27547,7 +27564,7 @@
         </p:nvSpPr>
         <p:spPr>
           <a:xfrm>
-            <a:off x="4185202" y="5521570"/>
+            <a:off x="4185202" y="5846690"/>
             <a:ext cx="4560864" cy="369332"/>
           </a:xfrm>
           <a:prstGeom prst="rect">
@@ -27773,7 +27790,7 @@
           </a:ln>
           <a:extLst>
             <a:ext uri="{C572A759-6A51-4108-AA02-DFA0A04FC94B}">
-              <ma14:wrappingTextBoxFlag xmlns="" xmlns:ma14="http://schemas.microsoft.com/office/mac/drawingml/2011/main" val="1"/>
+              <ma14:wrappingTextBoxFlag xmlns:ma14="http://schemas.microsoft.com/office/mac/drawingml/2011/main" xmlns="" val="1"/>
             </a:ext>
           </a:extLst>
         </p:spPr>
@@ -28070,7 +28087,7 @@
           </a:ln>
           <a:extLst>
             <a:ext uri="{C572A759-6A51-4108-AA02-DFA0A04FC94B}">
-              <ma14:wrappingTextBoxFlag xmlns:ma14="http://schemas.microsoft.com/office/mac/drawingml/2011/main" xmlns="" val="1"/>
+              <ma14:wrappingTextBoxFlag xmlns="" xmlns:ma14="http://schemas.microsoft.com/office/mac/drawingml/2011/main" val="1"/>
             </a:ext>
           </a:extLst>
         </p:spPr>
@@ -29436,7 +29453,7 @@
           </a:ln>
           <a:extLst>
             <a:ext uri="{C572A759-6A51-4108-AA02-DFA0A04FC94B}">
-              <ma14:wrappingTextBoxFlag xmlns:ma14="http://schemas.microsoft.com/office/mac/drawingml/2011/main" xmlns="" val="1"/>
+              <ma14:wrappingTextBoxFlag xmlns="" xmlns:ma14="http://schemas.microsoft.com/office/mac/drawingml/2011/main" val="1"/>
             </a:ext>
           </a:extLst>
         </p:spPr>
@@ -31494,7 +31511,7 @@
           </a:ln>
           <a:extLst>
             <a:ext uri="{C572A759-6A51-4108-AA02-DFA0A04FC94B}">
-              <ma14:wrappingTextBoxFlag xmlns:ma14="http://schemas.microsoft.com/office/mac/drawingml/2011/main" xmlns="" val="1"/>
+              <ma14:wrappingTextBoxFlag xmlns="" xmlns:ma14="http://schemas.microsoft.com/office/mac/drawingml/2011/main" val="1"/>
             </a:ext>
           </a:extLst>
         </p:spPr>
@@ -31558,14 +31575,14 @@
           <p:nvPr>
             <p:extLst>
               <p:ext uri="{D42A27DB-BD31-4B8C-83A1-F6EECF244321}">
-                <p14:modId xmlns:p14="http://schemas.microsoft.com/office/powerpoint/2010/main" val="1428702383"/>
+                <p14:modId xmlns:p14="http://schemas.microsoft.com/office/powerpoint/2010/main" val="553026264"/>
               </p:ext>
             </p:extLst>
           </p:nvPr>
         </p:nvGraphicFramePr>
         <p:xfrm>
           <a:off x="764222" y="1682825"/>
-          <a:ext cx="10601453" cy="3797920"/>
+          <a:ext cx="10601453" cy="3958832"/>
         </p:xfrm>
         <a:graphic>
           <a:graphicData uri="http://schemas.openxmlformats.org/drawingml/2006/table">
@@ -31772,7 +31789,7 @@
                     <a:p>
                       <a:r>
                         <a:rPr kumimoji="1" lang="ja-JP" altLang="en-US" sz="2000" dirty="0"/>
-                        <a:t>位置定義</a:t>
+                        <a:t>速度定義</a:t>
                       </a:r>
                     </a:p>
                   </a:txBody>
@@ -31785,7 +31802,7 @@
                     <a:p>
                       <a:r>
                         <a:rPr kumimoji="1" lang="ja-JP" altLang="en-US" sz="2000" dirty="0"/>
-                        <a:t>回転角度定義</a:t>
+                        <a:t>角速度定義</a:t>
                       </a:r>
                     </a:p>
                   </a:txBody>
@@ -32054,7 +32071,7 @@
                       </a:pPr>
                       <a:r>
                         <a:rPr kumimoji="1" lang="ja-JP" altLang="en-US" sz="2000" dirty="0"/>
-                        <a:t>バネ</a:t>
+                        <a:t>マス</a:t>
                       </a:r>
                     </a:p>
                   </a:txBody>
@@ -32084,8 +32101,41 @@
                       </a:pPr>
                       <a:r>
                         <a:rPr kumimoji="1" lang="ja-JP" altLang="en-US" sz="2000" dirty="0"/>
-                        <a:t>ねじりばね</a:t>
+                        <a:t>回転慣性</a:t>
                       </a:r>
+                      <a:endParaRPr kumimoji="1" lang="en-US" altLang="ja-JP" sz="2000" dirty="0"/>
+                    </a:p>
+                    <a:p>
+                      <a:pPr marL="0" marR="0" lvl="0" indent="0" algn="l" defTabSz="914400" rtl="0" eaLnBrk="1" fontAlgn="auto" latinLnBrk="0" hangingPunct="1">
+                        <a:lnSpc>
+                          <a:spcPct val="100000"/>
+                        </a:lnSpc>
+                        <a:spcBef>
+                          <a:spcPts val="0"/>
+                        </a:spcBef>
+                        <a:spcAft>
+                          <a:spcPts val="0"/>
+                        </a:spcAft>
+                        <a:buClrTx/>
+                        <a:buSzTx/>
+                        <a:buFontTx/>
+                        <a:buNone/>
+                        <a:tabLst/>
+                        <a:defRPr/>
+                      </a:pPr>
+                      <a:r>
+                        <a:rPr kumimoji="1" lang="en-US" altLang="ja-JP" sz="2000" dirty="0"/>
+                        <a:t>(</a:t>
+                      </a:r>
+                      <a:r>
+                        <a:rPr kumimoji="1" lang="ja-JP" altLang="en-US" sz="2000" dirty="0"/>
+                        <a:t>イナーシャ</a:t>
+                      </a:r>
+                      <a:r>
+                        <a:rPr kumimoji="1" lang="en-US" altLang="ja-JP" sz="2000" dirty="0"/>
+                        <a:t>)</a:t>
+                      </a:r>
+                      <a:endParaRPr kumimoji="1" lang="ja-JP" altLang="en-US" sz="2000" dirty="0"/>
                     </a:p>
                   </a:txBody>
                   <a:tcPr/>
@@ -32196,7 +32246,7 @@
                       </a:pPr>
                       <a:r>
                         <a:rPr kumimoji="1" lang="ja-JP" altLang="en-US" sz="2000" dirty="0"/>
-                        <a:t>マス</a:t>
+                        <a:t>ばね</a:t>
                       </a:r>
                     </a:p>
                   </a:txBody>
@@ -32226,7 +32276,7 @@
                       </a:pPr>
                       <a:r>
                         <a:rPr kumimoji="1" lang="ja-JP" altLang="en-US" sz="2000" dirty="0"/>
-                        <a:t>イナーシャ</a:t>
+                        <a:t>ねじりばね</a:t>
                       </a:r>
                     </a:p>
                   </a:txBody>
@@ -32407,7 +32457,7 @@
             </a:r>
             <a:r>
               <a:rPr kumimoji="1" lang="ja-JP" altLang="en-US" sz="1400" dirty="0"/>
-              <a:t>回転速度をポテンシャル、力</a:t>
+              <a:t>角速度をポテンシャル、力</a:t>
             </a:r>
             <a:r>
               <a:rPr kumimoji="1" lang="en-US" altLang="ja-JP" sz="1400" dirty="0"/>
@@ -32431,7 +32481,15 @@
             </a:r>
             <a:r>
               <a:rPr kumimoji="1" lang="ja-JP" altLang="en-US" sz="1400" dirty="0"/>
-              <a:t>次スライドの補足資料を参照</a:t>
+              <a:t>次スライド以降の補足</a:t>
+            </a:r>
+            <a:r>
+              <a:rPr kumimoji="1" lang="en-US" altLang="ja-JP" sz="1400" dirty="0"/>
+              <a:t>1,2</a:t>
+            </a:r>
+            <a:r>
+              <a:rPr kumimoji="1" lang="ja-JP" altLang="en-US" sz="1400" dirty="0"/>
+              <a:t>を参照</a:t>
             </a:r>
             <a:r>
               <a:rPr kumimoji="1" lang="en-US" altLang="ja-JP" sz="1400" dirty="0"/>
@@ -32485,7 +32543,7 @@
         <p:spPr>
           <a:xfrm>
             <a:off x="179666" y="87415"/>
-            <a:ext cx="6046527" cy="579646"/>
+            <a:ext cx="6248505" cy="579646"/>
           </a:xfrm>
           <a:prstGeom prst="rect">
             <a:avLst/>
@@ -32495,7 +32553,7 @@
           </a:ln>
           <a:extLst>
             <a:ext uri="{C572A759-6A51-4108-AA02-DFA0A04FC94B}">
-              <ma14:wrappingTextBoxFlag xmlns:ma14="http://schemas.microsoft.com/office/mac/drawingml/2011/main" xmlns="" val="1"/>
+              <ma14:wrappingTextBoxFlag xmlns="" xmlns:ma14="http://schemas.microsoft.com/office/mac/drawingml/2011/main" val="1"/>
             </a:ext>
           </a:extLst>
         </p:spPr>
@@ -32525,7 +32583,10 @@
               <a:rPr lang="ja-JP" altLang="en-US" dirty="0"/>
               <a:t>補足</a:t>
             </a:r>
-            <a:endParaRPr lang="en-US" altLang="ja-JP" dirty="0"/>
+            <a:r>
+              <a:rPr lang="en-US" altLang="ja-JP" dirty="0"/>
+              <a:t>1</a:t>
+            </a:r>
           </a:p>
         </p:txBody>
       </p:sp>
@@ -32572,8 +32633,8 @@
         </p:nvSpPr>
         <p:spPr>
           <a:xfrm>
-            <a:off x="619760" y="721468"/>
-            <a:ext cx="10414000" cy="2246769"/>
+            <a:off x="393506" y="701986"/>
+            <a:ext cx="11665373" cy="2246769"/>
           </a:xfrm>
           <a:prstGeom prst="rect">
             <a:avLst/>
@@ -32589,7 +32650,7 @@
             <a:pPr algn="l"/>
             <a:r>
               <a:rPr kumimoji="1" lang="ja-JP" altLang="en-US" sz="2000" dirty="0"/>
-              <a:t>どのような物理量をポテンシャルとフローにするかで抵抗やキャパシタは</a:t>
+              <a:t>どのような物理量をポテンシャルとフローにするか、によって抵抗やキャパシタは</a:t>
             </a:r>
             <a:r>
               <a:rPr lang="ja-JP" altLang="en-US" sz="2000" dirty="0"/>
@@ -32613,7 +32674,7 @@
             </a:r>
             <a:r>
               <a:rPr lang="ja-JP" altLang="en-US" sz="2000" dirty="0"/>
-              <a:t>回転運動のポテンシャルとフローは異なるため抵抗やキャパシタに相当するモデルが異なることがあります。</a:t>
+              <a:t>回転運動のポテンシャルとフローの定義は異なるため抵抗やキャパシタに相当するモデルが異なることがあります。</a:t>
             </a:r>
             <a:endParaRPr lang="en-US" altLang="ja-JP" sz="2000" dirty="0"/>
           </a:p>
@@ -32625,7 +32686,7 @@
             <a:pPr algn="l"/>
             <a:r>
               <a:rPr kumimoji="1" lang="ja-JP" altLang="en-US" sz="2000" dirty="0"/>
-              <a:t>前スライドでは速度をポテンシャル、力をフローとする独自の考え方を載せました。</a:t>
+              <a:t>前スライドの並進運動については速度をポテンシャル、力をフローとする独自の考え方を載せました。</a:t>
             </a:r>
             <a:endParaRPr kumimoji="1" lang="en-US" altLang="ja-JP" sz="2000" dirty="0"/>
           </a:p>
@@ -32633,14 +32694,26 @@
             <a:pPr algn="l"/>
             <a:r>
               <a:rPr lang="ja-JP" altLang="en-US" sz="2000" dirty="0"/>
-              <a:t>ポテンシャルとフローの取り方は人それぞれなため、ここでは共通の考え方で異なる物理量を表すことができることを確認頂ければと思います。</a:t>
-            </a:r>
-            <a:endParaRPr kumimoji="1" lang="ja-JP" altLang="en-US" sz="2000" dirty="0"/>
+              <a:t>ポテンシャルとフローの取り方は人それぞれなため、</a:t>
+            </a:r>
+            <a:r>
+              <a:rPr lang="ja-JP" altLang="en-US" sz="2000" dirty="0">
+                <a:solidFill>
+                  <a:srgbClr val="FF0000"/>
+                </a:solidFill>
+              </a:rPr>
+              <a:t>ここでは共通の考え方で異なる物理量を表すことができることを確認するだけで良いと思います。</a:t>
+            </a:r>
+            <a:endParaRPr kumimoji="1" lang="ja-JP" altLang="en-US" sz="2000" dirty="0">
+              <a:solidFill>
+                <a:srgbClr val="FF0000"/>
+              </a:solidFill>
+            </a:endParaRPr>
           </a:p>
         </p:txBody>
       </p:sp>
-      <mc:AlternateContent xmlns:mc="http://schemas.openxmlformats.org/markup-compatibility/2006" xmlns:a14="http://schemas.microsoft.com/office/drawing/2010/main">
-        <mc:Choice Requires="a14">
+      <mc:AlternateContent xmlns:mc="http://schemas.openxmlformats.org/markup-compatibility/2006">
+        <mc:Choice xmlns:a14="http://schemas.microsoft.com/office/drawing/2010/main" Requires="a14">
           <p:graphicFrame>
             <p:nvGraphicFramePr>
               <p:cNvPr id="6" name="表 6">
@@ -32656,7 +32729,7 @@
               <p:nvPr>
                 <p:extLst>
                   <p:ext uri="{D42A27DB-BD31-4B8C-83A1-F6EECF244321}">
-                    <p14:modId xmlns:p14="http://schemas.microsoft.com/office/powerpoint/2010/main" val="4186810202"/>
+                    <p14:modId xmlns:p14="http://schemas.microsoft.com/office/powerpoint/2010/main" val="3211491565"/>
                   </p:ext>
                 </p:extLst>
               </p:nvPr>
@@ -32906,18 +32979,16 @@
                         <a:p>
                           <a:r>
                             <a:rPr kumimoji="1" lang="ja-JP" altLang="en-US" dirty="0"/>
-                            <a:t>抵抗  </a:t>
+                            <a:t>抵抗</a:t>
                           </a:r>
-                          <a14:m>
-                            <m:oMath xmlns:m="http://schemas.openxmlformats.org/officeDocument/2006/math">
-                              <m:r>
-                                <a:rPr kumimoji="1" lang="ja-JP" altLang="en-US" sz="1800" b="0" i="1" dirty="0" smtClean="0">
-                                  <a:latin typeface="Cambria Math" panose="02040503050406030204" pitchFamily="18" charset="0"/>
-                                </a:rPr>
-                                <m:t>　　</m:t>
-                              </m:r>
-                            </m:oMath>
-                          </a14:m>
+                          <a:r>
+                            <a:rPr kumimoji="1" lang="ja-JP" altLang="en-US" baseline="0" dirty="0"/>
+                            <a:t> </a:t>
+                          </a:r>
+                          <a:r>
+                            <a:rPr kumimoji="1" lang="en-US" altLang="ja-JP" baseline="0" dirty="0"/>
+                            <a:t>R</a:t>
+                          </a:r>
                           <a:endParaRPr kumimoji="1" lang="en-US" altLang="ja-JP" dirty="0"/>
                         </a:p>
                       </a:txBody>
@@ -33034,8 +33105,13 @@
                         <a:p>
                           <a:r>
                             <a:rPr kumimoji="1" lang="ja-JP" altLang="en-US" dirty="0"/>
-                            <a:t>キャパシタ</a:t>
+                            <a:t>キャパシタ </a:t>
                           </a:r>
+                          <a:r>
+                            <a:rPr kumimoji="1" lang="en-US" altLang="ja-JP" dirty="0"/>
+                            <a:t>C</a:t>
+                          </a:r>
+                          <a:endParaRPr kumimoji="1" lang="ja-JP" altLang="en-US" dirty="0"/>
                         </a:p>
                       </a:txBody>
                       <a:tcPr/>
@@ -33142,7 +33218,7 @@
                         <a:p>
                           <a:r>
                             <a:rPr kumimoji="1" lang="ja-JP" altLang="en-US" dirty="0"/>
-                            <a:t>バネ</a:t>
+                            <a:t>マス</a:t>
                           </a:r>
                         </a:p>
                       </a:txBody>
@@ -33162,8 +33238,13 @@
                         <a:p>
                           <a:r>
                             <a:rPr kumimoji="1" lang="ja-JP" altLang="en-US" dirty="0"/>
-                            <a:t>インダクタンス</a:t>
+                            <a:t>イナータンス </a:t>
                           </a:r>
+                          <a:r>
+                            <a:rPr kumimoji="1" lang="en-US" altLang="ja-JP" dirty="0"/>
+                            <a:t>L</a:t>
+                          </a:r>
+                          <a:endParaRPr kumimoji="1" lang="ja-JP" altLang="en-US" dirty="0"/>
                         </a:p>
                       </a:txBody>
                       <a:tcPr/>
@@ -33276,7 +33357,7 @@
                         <a:p>
                           <a:r>
                             <a:rPr kumimoji="1" lang="ja-JP" altLang="en-US" dirty="0"/>
-                            <a:t>マス</a:t>
+                            <a:t>バネ</a:t>
                           </a:r>
                         </a:p>
                       </a:txBody>
@@ -33293,7 +33374,7 @@
             </a:graphic>
           </p:graphicFrame>
         </mc:Choice>
-        <mc:Fallback xmlns="">
+        <mc:Fallback>
           <p:graphicFrame>
             <p:nvGraphicFramePr>
               <p:cNvPr id="6" name="表 6">
@@ -33309,7 +33390,7 @@
               <p:nvPr>
                 <p:extLst>
                   <p:ext uri="{D42A27DB-BD31-4B8C-83A1-F6EECF244321}">
-                    <p14:modId xmlns:p14="http://schemas.microsoft.com/office/powerpoint/2010/main" val="4186810202"/>
+                    <p14:modId xmlns:p14="http://schemas.microsoft.com/office/powerpoint/2010/main" val="3211491565"/>
                   </p:ext>
                 </p:extLst>
               </p:nvPr>
@@ -33557,17 +33638,22 @@
                         <a:bodyPr/>
                         <a:lstStyle/>
                         <a:p>
-                          <a:endParaRPr lang="ja-JP"/>
+                          <a:r>
+                            <a:rPr kumimoji="1" lang="ja-JP" altLang="en-US" dirty="0"/>
+                            <a:t>抵抗</a:t>
+                          </a:r>
+                          <a:r>
+                            <a:rPr kumimoji="1" lang="ja-JP" altLang="en-US" baseline="0" dirty="0"/>
+                            <a:t> </a:t>
+                          </a:r>
+                          <a:r>
+                            <a:rPr kumimoji="1" lang="en-US" altLang="ja-JP" baseline="0" dirty="0"/>
+                            <a:t>R</a:t>
+                          </a:r>
+                          <a:endParaRPr kumimoji="1" lang="en-US" altLang="ja-JP" dirty="0"/>
                         </a:p>
                       </a:txBody>
-                      <a:tcPr>
-                        <a:blipFill>
-                          <a:blip r:embed="rId2"/>
-                          <a:stretch>
-                            <a:fillRect l="-249" t="-353425" r="-271642" b="-280822"/>
-                          </a:stretch>
-                        </a:blipFill>
-                      </a:tcPr>
+                      <a:tcPr/>
                     </a:tc>
                     <a:tc>
                       <a:txBody>
@@ -33626,8 +33712,13 @@
                         <a:p>
                           <a:r>
                             <a:rPr kumimoji="1" lang="ja-JP" altLang="en-US" dirty="0"/>
-                            <a:t>キャパシタ</a:t>
+                            <a:t>キャパシタ </a:t>
                           </a:r>
+                          <a:r>
+                            <a:rPr kumimoji="1" lang="en-US" altLang="ja-JP" dirty="0"/>
+                            <a:t>C</a:t>
+                          </a:r>
+                          <a:endParaRPr kumimoji="1" lang="ja-JP" altLang="en-US" dirty="0"/>
                         </a:p>
                       </a:txBody>
                       <a:tcPr/>
@@ -33669,7 +33760,7 @@
                         <a:p>
                           <a:r>
                             <a:rPr kumimoji="1" lang="ja-JP" altLang="en-US" dirty="0"/>
-                            <a:t>バネ</a:t>
+                            <a:t>マス</a:t>
                           </a:r>
                         </a:p>
                       </a:txBody>
@@ -33689,8 +33780,13 @@
                         <a:p>
                           <a:r>
                             <a:rPr kumimoji="1" lang="ja-JP" altLang="en-US" dirty="0"/>
-                            <a:t>インダクタンス</a:t>
+                            <a:t>イナータンス </a:t>
                           </a:r>
+                          <a:r>
+                            <a:rPr kumimoji="1" lang="en-US" altLang="ja-JP" dirty="0"/>
+                            <a:t>L</a:t>
+                          </a:r>
+                          <a:endParaRPr kumimoji="1" lang="ja-JP" altLang="en-US" dirty="0"/>
                         </a:p>
                       </a:txBody>
                       <a:tcPr/>
@@ -33732,7 +33828,7 @@
                         <a:p>
                           <a:r>
                             <a:rPr kumimoji="1" lang="ja-JP" altLang="en-US" dirty="0"/>
-                            <a:t>マス</a:t>
+                            <a:t>バネ</a:t>
                           </a:r>
                         </a:p>
                       </a:txBody>
@@ -33846,8 +33942,8 @@
         </p:nvSpPr>
         <p:spPr>
           <a:xfrm>
-            <a:off x="179665" y="87415"/>
-            <a:ext cx="7083147" cy="579646"/>
+            <a:off x="179666" y="87415"/>
+            <a:ext cx="6248505" cy="579646"/>
           </a:xfrm>
           <a:prstGeom prst="rect">
             <a:avLst/>
@@ -33857,12 +33953,12 @@
           </a:ln>
           <a:extLst>
             <a:ext uri="{C572A759-6A51-4108-AA02-DFA0A04FC94B}">
-              <ma14:wrappingTextBoxFlag xmlns:ma14="http://schemas.microsoft.com/office/mac/drawingml/2011/main" xmlns="" val="1"/>
+              <ma14:wrappingTextBoxFlag xmlns="" xmlns:ma14="http://schemas.microsoft.com/office/mac/drawingml/2011/main" val="1"/>
             </a:ext>
           </a:extLst>
         </p:spPr>
         <p:txBody>
-          <a:bodyPr wrap="square" lIns="50800" tIns="50800" rIns="50800" bIns="50800" anchor="ctr">
+          <a:bodyPr wrap="none" lIns="50800" tIns="50800" rIns="50800" bIns="50800" anchor="ctr">
             <a:spAutoFit/>
           </a:bodyPr>
           <a:lstStyle/>
@@ -33877,9 +33973,20 @@
             </a:pPr>
             <a:r>
               <a:rPr lang="ja-JP" altLang="en-US" dirty="0"/>
-              <a:t>典型的な物理モデル</a:t>
-            </a:r>
-            <a:endParaRPr lang="en-US" altLang="ja-JP" dirty="0"/>
+              <a:t>典型的な物理モデルの一覧 </a:t>
+            </a:r>
+            <a:r>
+              <a:rPr lang="en-US" altLang="ja-JP" dirty="0"/>
+              <a:t>– </a:t>
+            </a:r>
+            <a:r>
+              <a:rPr lang="ja-JP" altLang="en-US" dirty="0"/>
+              <a:t>補足</a:t>
+            </a:r>
+            <a:r>
+              <a:rPr lang="en-US" altLang="ja-JP" dirty="0"/>
+              <a:t>2</a:t>
+            </a:r>
           </a:p>
         </p:txBody>
       </p:sp>
@@ -33912,12 +34019,196 @@
           </a:p>
         </p:txBody>
       </p:sp>
+      <mc:AlternateContent xmlns:mc="http://schemas.openxmlformats.org/markup-compatibility/2006">
+        <mc:Choice xmlns:a14="http://schemas.microsoft.com/office/drawing/2010/main" Requires="a14">
+          <p:sp>
+            <p:nvSpPr>
+              <p:cNvPr id="7" name="テキスト ボックス 4">
+                <a:extLst>
+                  <a:ext uri="{FF2B5EF4-FFF2-40B4-BE49-F238E27FC236}">
+                    <a16:creationId xmlns:a16="http://schemas.microsoft.com/office/drawing/2014/main" id="{2E751ED0-ADFB-48DC-812A-3F2CDB129ED2}"/>
+                  </a:ext>
+                </a:extLst>
+              </p:cNvPr>
+              <p:cNvSpPr txBox="1"/>
+              <p:nvPr/>
+            </p:nvSpPr>
+            <p:spPr>
+              <a:xfrm>
+                <a:off x="1407040" y="2896117"/>
+                <a:ext cx="1411869" cy="369332"/>
+              </a:xfrm>
+              <a:prstGeom prst="rect">
+                <a:avLst/>
+              </a:prstGeom>
+              <a:noFill/>
+            </p:spPr>
+            <p:txBody>
+              <a:bodyPr wrap="square" lIns="0" tIns="0" rIns="0" bIns="0" rtlCol="0">
+                <a:spAutoFit/>
+              </a:bodyPr>
+              <a:lstStyle>
+                <a:lvl1pPr marL="0" indent="0">
+                  <a:defRPr sz="1100">
+                    <a:latin typeface="+mn-lt"/>
+                    <a:ea typeface="+mn-ea"/>
+                    <a:cs typeface="+mn-cs"/>
+                  </a:defRPr>
+                </a:lvl1pPr>
+                <a:lvl2pPr marL="457200" indent="0">
+                  <a:defRPr sz="1100">
+                    <a:latin typeface="+mn-lt"/>
+                    <a:ea typeface="+mn-ea"/>
+                    <a:cs typeface="+mn-cs"/>
+                  </a:defRPr>
+                </a:lvl2pPr>
+                <a:lvl3pPr marL="914400" indent="0">
+                  <a:defRPr sz="1100">
+                    <a:latin typeface="+mn-lt"/>
+                    <a:ea typeface="+mn-ea"/>
+                    <a:cs typeface="+mn-cs"/>
+                  </a:defRPr>
+                </a:lvl3pPr>
+                <a:lvl4pPr marL="1371600" indent="0">
+                  <a:defRPr sz="1100">
+                    <a:latin typeface="+mn-lt"/>
+                    <a:ea typeface="+mn-ea"/>
+                    <a:cs typeface="+mn-cs"/>
+                  </a:defRPr>
+                </a:lvl4pPr>
+                <a:lvl5pPr marL="1828800" indent="0">
+                  <a:defRPr sz="1100">
+                    <a:latin typeface="+mn-lt"/>
+                    <a:ea typeface="+mn-ea"/>
+                    <a:cs typeface="+mn-cs"/>
+                  </a:defRPr>
+                </a:lvl5pPr>
+                <a:lvl6pPr marL="2286000" indent="0">
+                  <a:defRPr sz="1100">
+                    <a:latin typeface="+mn-lt"/>
+                    <a:ea typeface="+mn-ea"/>
+                    <a:cs typeface="+mn-cs"/>
+                  </a:defRPr>
+                </a:lvl6pPr>
+                <a:lvl7pPr marL="2743200" indent="0">
+                  <a:defRPr sz="1100">
+                    <a:latin typeface="+mn-lt"/>
+                    <a:ea typeface="+mn-ea"/>
+                    <a:cs typeface="+mn-cs"/>
+                  </a:defRPr>
+                </a:lvl7pPr>
+                <a:lvl8pPr marL="3200400" indent="0">
+                  <a:defRPr sz="1100">
+                    <a:latin typeface="+mn-lt"/>
+                    <a:ea typeface="+mn-ea"/>
+                    <a:cs typeface="+mn-cs"/>
+                  </a:defRPr>
+                </a:lvl8pPr>
+                <a:lvl9pPr marL="3657600" indent="0">
+                  <a:defRPr sz="1100">
+                    <a:latin typeface="+mn-lt"/>
+                    <a:ea typeface="+mn-ea"/>
+                    <a:cs typeface="+mn-cs"/>
+                  </a:defRPr>
+                </a:lvl9pPr>
+              </a:lstStyle>
+              <a:p>
+                <a:pPr algn="l"/>
+                <a14:m>
+                  <m:oMath xmlns:m="http://schemas.openxmlformats.org/officeDocument/2006/math">
+                    <m:r>
+                      <a:rPr kumimoji="1" lang="en-US" altLang="ja-JP" sz="2400" b="0" i="1">
+                        <a:latin typeface="Cambria Math" panose="02040503050406030204" pitchFamily="18" charset="0"/>
+                      </a:rPr>
+                      <m:t>𝐹</m:t>
+                    </m:r>
+                    <m:r>
+                      <a:rPr kumimoji="1" lang="en-US" altLang="ja-JP" sz="2400" b="0" i="1">
+                        <a:latin typeface="Cambria Math" panose="02040503050406030204" pitchFamily="18" charset="0"/>
+                      </a:rPr>
+                      <m:t>=</m:t>
+                    </m:r>
+                    <m:r>
+                      <a:rPr kumimoji="1" lang="en-US" altLang="ja-JP" sz="2400" b="0" i="1">
+                        <a:latin typeface="Cambria Math" panose="02040503050406030204" pitchFamily="18" charset="0"/>
+                      </a:rPr>
+                      <m:t>𝜇</m:t>
+                    </m:r>
+                    <m:r>
+                      <a:rPr kumimoji="1" lang="en-US" altLang="ja-JP" sz="2400" b="0" i="1">
+                        <a:latin typeface="Cambria Math" panose="02040503050406030204" pitchFamily="18" charset="0"/>
+                        <a:ea typeface="Cambria Math" panose="02040503050406030204" pitchFamily="18" charset="0"/>
+                      </a:rPr>
+                      <m:t>∆</m:t>
+                    </m:r>
+                    <m:r>
+                      <a:rPr kumimoji="1" lang="en-US" altLang="ja-JP" sz="2400" b="0" i="1">
+                        <a:latin typeface="Cambria Math" panose="02040503050406030204" pitchFamily="18" charset="0"/>
+                        <a:ea typeface="Cambria Math" panose="02040503050406030204" pitchFamily="18" charset="0"/>
+                      </a:rPr>
+                      <m:t>𝑣</m:t>
+                    </m:r>
+                  </m:oMath>
+                </a14:m>
+                <a:r>
+                  <a:rPr kumimoji="1" lang="en-US" altLang="ja-JP" sz="2400" dirty="0"/>
+                  <a:t> </a:t>
+                </a:r>
+              </a:p>
+            </p:txBody>
+          </p:sp>
+        </mc:Choice>
+        <mc:Fallback>
+          <p:sp>
+            <p:nvSpPr>
+              <p:cNvPr id="7" name="テキスト ボックス 4">
+                <a:extLst>
+                  <a:ext uri="{FF2B5EF4-FFF2-40B4-BE49-F238E27FC236}">
+                    <a16:creationId xmlns:a16="http://schemas.microsoft.com/office/drawing/2014/main" id="{2E751ED0-ADFB-48DC-812A-3F2CDB129ED2}"/>
+                  </a:ext>
+                </a:extLst>
+              </p:cNvPr>
+              <p:cNvSpPr txBox="1">
+                <a:spLocks noRot="1" noChangeAspect="1" noMove="1" noResize="1" noEditPoints="1" noAdjustHandles="1" noChangeArrowheads="1" noChangeShapeType="1" noTextEdit="1"/>
+              </p:cNvSpPr>
+              <p:nvPr/>
+            </p:nvSpPr>
+            <p:spPr>
+              <a:xfrm>
+                <a:off x="1407040" y="2896117"/>
+                <a:ext cx="1411869" cy="369332"/>
+              </a:xfrm>
+              <a:prstGeom prst="rect">
+                <a:avLst/>
+              </a:prstGeom>
+              <a:blipFill>
+                <a:blip r:embed="rId2"/>
+                <a:stretch>
+                  <a:fillRect l="-7792" b="-21311"/>
+                </a:stretch>
+              </a:blipFill>
+            </p:spPr>
+            <p:txBody>
+              <a:bodyPr/>
+              <a:lstStyle/>
+              <a:p>
+                <a:r>
+                  <a:rPr lang="ja-JP" altLang="en-US">
+                    <a:noFill/>
+                  </a:rPr>
+                  <a:t> </a:t>
+                </a:r>
+              </a:p>
+            </p:txBody>
+          </p:sp>
+        </mc:Fallback>
+      </mc:AlternateContent>
       <p:sp>
         <p:nvSpPr>
-          <p:cNvPr id="19" name="テキスト ボックス 18">
+          <p:cNvPr id="2" name="テキスト ボックス 1">
             <a:extLst>
               <a:ext uri="{FF2B5EF4-FFF2-40B4-BE49-F238E27FC236}">
-                <a16:creationId xmlns:a16="http://schemas.microsoft.com/office/drawing/2014/main" id="{B4EF266E-5967-49EA-8D66-2FA600BC1E91}"/>
+                <a16:creationId xmlns:a16="http://schemas.microsoft.com/office/drawing/2014/main" id="{240440C8-3D3C-4FF5-B07E-D80CBBC30BA4}"/>
               </a:ext>
             </a:extLst>
           </p:cNvPr>
@@ -33926,8 +34217,1181 @@
         </p:nvSpPr>
         <p:spPr>
           <a:xfrm>
-            <a:off x="614155" y="1355359"/>
-            <a:ext cx="10882184" cy="2677656"/>
+            <a:off x="827205" y="2105507"/>
+            <a:ext cx="2571538" cy="461665"/>
+          </a:xfrm>
+          <a:prstGeom prst="rect">
+            <a:avLst/>
+          </a:prstGeom>
+          <a:noFill/>
+        </p:spPr>
+        <p:txBody>
+          <a:bodyPr wrap="none" rtlCol="0">
+            <a:spAutoFit/>
+          </a:bodyPr>
+          <a:lstStyle/>
+          <a:p>
+            <a:pPr algn="l"/>
+            <a:r>
+              <a:rPr kumimoji="1" lang="ja-JP" altLang="en-US" sz="2400" u="sng" dirty="0"/>
+              <a:t>抵抗</a:t>
+            </a:r>
+            <a:r>
+              <a:rPr kumimoji="1" lang="en-US" altLang="ja-JP" sz="2400" u="sng" dirty="0"/>
+              <a:t>C</a:t>
+            </a:r>
+            <a:r>
+              <a:rPr kumimoji="1" lang="ja-JP" altLang="en-US" sz="2400" u="sng" dirty="0"/>
+              <a:t> </a:t>
+            </a:r>
+            <a:r>
+              <a:rPr kumimoji="1" lang="en-US" altLang="ja-JP" sz="2400" u="sng" dirty="0"/>
+              <a:t>– </a:t>
+            </a:r>
+            <a:r>
+              <a:rPr kumimoji="1" lang="ja-JP" altLang="en-US" sz="2400" u="sng" dirty="0"/>
+              <a:t>粘性摩擦</a:t>
+            </a:r>
+          </a:p>
+        </p:txBody>
+      </p:sp>
+      <mc:AlternateContent xmlns:mc="http://schemas.openxmlformats.org/markup-compatibility/2006">
+        <mc:Choice xmlns:a14="http://schemas.microsoft.com/office/drawing/2010/main" Requires="a14">
+          <p:sp>
+            <p:nvSpPr>
+              <p:cNvPr id="9" name="テキスト ボックス 4">
+                <a:extLst>
+                  <a:ext uri="{FF2B5EF4-FFF2-40B4-BE49-F238E27FC236}">
+                    <a16:creationId xmlns:a16="http://schemas.microsoft.com/office/drawing/2014/main" id="{145097A9-C0F4-4EBD-8272-02528C5EAF45}"/>
+                  </a:ext>
+                </a:extLst>
+              </p:cNvPr>
+              <p:cNvSpPr txBox="1"/>
+              <p:nvPr/>
+            </p:nvSpPr>
+            <p:spPr>
+              <a:xfrm>
+                <a:off x="4240100" y="2739941"/>
+                <a:ext cx="1672936" cy="701218"/>
+              </a:xfrm>
+              <a:prstGeom prst="rect">
+                <a:avLst/>
+              </a:prstGeom>
+              <a:noFill/>
+            </p:spPr>
+            <p:txBody>
+              <a:bodyPr wrap="square" lIns="0" tIns="0" rIns="0" bIns="0" rtlCol="0">
+                <a:spAutoFit/>
+              </a:bodyPr>
+              <a:lstStyle>
+                <a:lvl1pPr marL="0" indent="0">
+                  <a:defRPr sz="1100">
+                    <a:latin typeface="+mn-lt"/>
+                    <a:ea typeface="+mn-ea"/>
+                    <a:cs typeface="+mn-cs"/>
+                  </a:defRPr>
+                </a:lvl1pPr>
+                <a:lvl2pPr marL="457200" indent="0">
+                  <a:defRPr sz="1100">
+                    <a:latin typeface="+mn-lt"/>
+                    <a:ea typeface="+mn-ea"/>
+                    <a:cs typeface="+mn-cs"/>
+                  </a:defRPr>
+                </a:lvl2pPr>
+                <a:lvl3pPr marL="914400" indent="0">
+                  <a:defRPr sz="1100">
+                    <a:latin typeface="+mn-lt"/>
+                    <a:ea typeface="+mn-ea"/>
+                    <a:cs typeface="+mn-cs"/>
+                  </a:defRPr>
+                </a:lvl3pPr>
+                <a:lvl4pPr marL="1371600" indent="0">
+                  <a:defRPr sz="1100">
+                    <a:latin typeface="+mn-lt"/>
+                    <a:ea typeface="+mn-ea"/>
+                    <a:cs typeface="+mn-cs"/>
+                  </a:defRPr>
+                </a:lvl4pPr>
+                <a:lvl5pPr marL="1828800" indent="0">
+                  <a:defRPr sz="1100">
+                    <a:latin typeface="+mn-lt"/>
+                    <a:ea typeface="+mn-ea"/>
+                    <a:cs typeface="+mn-cs"/>
+                  </a:defRPr>
+                </a:lvl5pPr>
+                <a:lvl6pPr marL="2286000" indent="0">
+                  <a:defRPr sz="1100">
+                    <a:latin typeface="+mn-lt"/>
+                    <a:ea typeface="+mn-ea"/>
+                    <a:cs typeface="+mn-cs"/>
+                  </a:defRPr>
+                </a:lvl6pPr>
+                <a:lvl7pPr marL="2743200" indent="0">
+                  <a:defRPr sz="1100">
+                    <a:latin typeface="+mn-lt"/>
+                    <a:ea typeface="+mn-ea"/>
+                    <a:cs typeface="+mn-cs"/>
+                  </a:defRPr>
+                </a:lvl7pPr>
+                <a:lvl8pPr marL="3200400" indent="0">
+                  <a:defRPr sz="1100">
+                    <a:latin typeface="+mn-lt"/>
+                    <a:ea typeface="+mn-ea"/>
+                    <a:cs typeface="+mn-cs"/>
+                  </a:defRPr>
+                </a:lvl8pPr>
+                <a:lvl9pPr marL="3657600" indent="0">
+                  <a:defRPr sz="1100">
+                    <a:latin typeface="+mn-lt"/>
+                    <a:ea typeface="+mn-ea"/>
+                    <a:cs typeface="+mn-cs"/>
+                  </a:defRPr>
+                </a:lvl9pPr>
+              </a:lstStyle>
+              <a:p>
+                <a:pPr algn="l"/>
+                <a14:m>
+                  <m:oMathPara xmlns:m="http://schemas.openxmlformats.org/officeDocument/2006/math">
+                    <m:oMathParaPr>
+                      <m:jc m:val="centerGroup"/>
+                    </m:oMathParaPr>
+                    <m:oMath xmlns:m="http://schemas.openxmlformats.org/officeDocument/2006/math">
+                      <m:r>
+                        <a:rPr kumimoji="1" lang="en-US" altLang="ja-JP" sz="2400" b="0" i="1">
+                          <a:latin typeface="Cambria Math" panose="02040503050406030204" pitchFamily="18" charset="0"/>
+                        </a:rPr>
+                        <m:t>𝐹</m:t>
+                      </m:r>
+                      <m:r>
+                        <a:rPr kumimoji="1" lang="en-US" altLang="ja-JP" sz="2400" b="0" i="1">
+                          <a:latin typeface="Cambria Math" panose="02040503050406030204" pitchFamily="18" charset="0"/>
+                        </a:rPr>
+                        <m:t>=</m:t>
+                      </m:r>
+                      <m:r>
+                        <a:rPr kumimoji="1" lang="en-US" altLang="ja-JP" sz="2400" b="0" i="1" smtClean="0">
+                          <a:latin typeface="Cambria Math" panose="02040503050406030204" pitchFamily="18" charset="0"/>
+                        </a:rPr>
+                        <m:t>𝑚</m:t>
+                      </m:r>
+                      <m:f>
+                        <m:fPr>
+                          <m:ctrlPr>
+                            <a:rPr kumimoji="1" lang="en-US" altLang="ja-JP" sz="2400" b="0" i="1" smtClean="0">
+                              <a:latin typeface="Cambria Math" panose="02040503050406030204" pitchFamily="18" charset="0"/>
+                            </a:rPr>
+                          </m:ctrlPr>
+                        </m:fPr>
+                        <m:num>
+                          <m:r>
+                            <a:rPr kumimoji="1" lang="en-US" altLang="ja-JP" sz="2400" b="0" i="1" smtClean="0">
+                              <a:latin typeface="Cambria Math" panose="02040503050406030204" pitchFamily="18" charset="0"/>
+                            </a:rPr>
+                            <m:t>𝑑𝑣</m:t>
+                          </m:r>
+                        </m:num>
+                        <m:den>
+                          <m:r>
+                            <a:rPr kumimoji="1" lang="en-US" altLang="ja-JP" sz="2400" b="0" i="1" smtClean="0">
+                              <a:latin typeface="Cambria Math" panose="02040503050406030204" pitchFamily="18" charset="0"/>
+                            </a:rPr>
+                            <m:t>𝑑𝑡</m:t>
+                          </m:r>
+                        </m:den>
+                      </m:f>
+                    </m:oMath>
+                  </m:oMathPara>
+                </a14:m>
+                <a:endParaRPr kumimoji="1" lang="en-US" altLang="ja-JP" sz="2400" b="0" dirty="0"/>
+              </a:p>
+            </p:txBody>
+          </p:sp>
+        </mc:Choice>
+        <mc:Fallback>
+          <p:sp>
+            <p:nvSpPr>
+              <p:cNvPr id="9" name="テキスト ボックス 4">
+                <a:extLst>
+                  <a:ext uri="{FF2B5EF4-FFF2-40B4-BE49-F238E27FC236}">
+                    <a16:creationId xmlns:a16="http://schemas.microsoft.com/office/drawing/2014/main" id="{145097A9-C0F4-4EBD-8272-02528C5EAF45}"/>
+                  </a:ext>
+                </a:extLst>
+              </p:cNvPr>
+              <p:cNvSpPr txBox="1">
+                <a:spLocks noRot="1" noChangeAspect="1" noMove="1" noResize="1" noEditPoints="1" noAdjustHandles="1" noChangeArrowheads="1" noChangeShapeType="1" noTextEdit="1"/>
+              </p:cNvSpPr>
+              <p:nvPr/>
+            </p:nvSpPr>
+            <p:spPr>
+              <a:xfrm>
+                <a:off x="4240100" y="2739941"/>
+                <a:ext cx="1672936" cy="701218"/>
+              </a:xfrm>
+              <a:prstGeom prst="rect">
+                <a:avLst/>
+              </a:prstGeom>
+              <a:blipFill>
+                <a:blip r:embed="rId3"/>
+                <a:stretch>
+                  <a:fillRect/>
+                </a:stretch>
+              </a:blipFill>
+            </p:spPr>
+            <p:txBody>
+              <a:bodyPr/>
+              <a:lstStyle/>
+              <a:p>
+                <a:r>
+                  <a:rPr lang="ja-JP" altLang="en-US">
+                    <a:noFill/>
+                  </a:rPr>
+                  <a:t> </a:t>
+                </a:r>
+              </a:p>
+            </p:txBody>
+          </p:sp>
+        </mc:Fallback>
+      </mc:AlternateContent>
+      <p:sp>
+        <p:nvSpPr>
+          <p:cNvPr id="10" name="テキスト ボックス 9">
+            <a:extLst>
+              <a:ext uri="{FF2B5EF4-FFF2-40B4-BE49-F238E27FC236}">
+                <a16:creationId xmlns:a16="http://schemas.microsoft.com/office/drawing/2014/main" id="{A703A10F-3692-4CBB-BA89-C9A67CF02902}"/>
+              </a:ext>
+            </a:extLst>
+          </p:cNvPr>
+          <p:cNvSpPr txBox="1"/>
+          <p:nvPr/>
+        </p:nvSpPr>
+        <p:spPr>
+          <a:xfrm>
+            <a:off x="3639316" y="2105507"/>
+            <a:ext cx="2874505" cy="461665"/>
+          </a:xfrm>
+          <a:prstGeom prst="rect">
+            <a:avLst/>
+          </a:prstGeom>
+          <a:noFill/>
+        </p:spPr>
+        <p:txBody>
+          <a:bodyPr wrap="none" rtlCol="0">
+            <a:spAutoFit/>
+          </a:bodyPr>
+          <a:lstStyle/>
+          <a:p>
+            <a:pPr algn="l"/>
+            <a:r>
+              <a:rPr kumimoji="1" lang="ja-JP" altLang="en-US" sz="2400" u="sng" dirty="0"/>
+              <a:t>キャパシタ</a:t>
+            </a:r>
+            <a:r>
+              <a:rPr kumimoji="1" lang="en-US" altLang="ja-JP" sz="2400" u="sng" dirty="0"/>
+              <a:t>R</a:t>
+            </a:r>
+            <a:r>
+              <a:rPr kumimoji="1" lang="ja-JP" altLang="en-US" sz="2400" u="sng" dirty="0"/>
+              <a:t> </a:t>
+            </a:r>
+            <a:r>
+              <a:rPr kumimoji="1" lang="en-US" altLang="ja-JP" sz="2400" u="sng" dirty="0"/>
+              <a:t>– </a:t>
+            </a:r>
+            <a:r>
+              <a:rPr kumimoji="1" lang="ja-JP" altLang="en-US" sz="2400" u="sng" dirty="0"/>
+              <a:t>マス</a:t>
+            </a:r>
+          </a:p>
+        </p:txBody>
+      </p:sp>
+      <mc:AlternateContent xmlns:mc="http://schemas.openxmlformats.org/markup-compatibility/2006">
+        <mc:Choice xmlns:a14="http://schemas.microsoft.com/office/drawing/2010/main" Requires="a14">
+          <p:sp>
+            <p:nvSpPr>
+              <p:cNvPr id="13" name="テキスト ボックス 4">
+                <a:extLst>
+                  <a:ext uri="{FF2B5EF4-FFF2-40B4-BE49-F238E27FC236}">
+                    <a16:creationId xmlns:a16="http://schemas.microsoft.com/office/drawing/2014/main" id="{987EDAC0-C345-49A5-8881-2536EEB34CB5}"/>
+                  </a:ext>
+                </a:extLst>
+              </p:cNvPr>
+              <p:cNvSpPr txBox="1"/>
+              <p:nvPr/>
+            </p:nvSpPr>
+            <p:spPr>
+              <a:xfrm>
+                <a:off x="7143072" y="2650661"/>
+                <a:ext cx="1672936" cy="701218"/>
+              </a:xfrm>
+              <a:prstGeom prst="rect">
+                <a:avLst/>
+              </a:prstGeom>
+              <a:noFill/>
+            </p:spPr>
+            <p:txBody>
+              <a:bodyPr wrap="square" lIns="0" tIns="0" rIns="0" bIns="0" rtlCol="0">
+                <a:spAutoFit/>
+              </a:bodyPr>
+              <a:lstStyle>
+                <a:lvl1pPr marL="0" indent="0">
+                  <a:defRPr sz="1100">
+                    <a:latin typeface="+mn-lt"/>
+                    <a:ea typeface="+mn-ea"/>
+                    <a:cs typeface="+mn-cs"/>
+                  </a:defRPr>
+                </a:lvl1pPr>
+                <a:lvl2pPr marL="457200" indent="0">
+                  <a:defRPr sz="1100">
+                    <a:latin typeface="+mn-lt"/>
+                    <a:ea typeface="+mn-ea"/>
+                    <a:cs typeface="+mn-cs"/>
+                  </a:defRPr>
+                </a:lvl2pPr>
+                <a:lvl3pPr marL="914400" indent="0">
+                  <a:defRPr sz="1100">
+                    <a:latin typeface="+mn-lt"/>
+                    <a:ea typeface="+mn-ea"/>
+                    <a:cs typeface="+mn-cs"/>
+                  </a:defRPr>
+                </a:lvl3pPr>
+                <a:lvl4pPr marL="1371600" indent="0">
+                  <a:defRPr sz="1100">
+                    <a:latin typeface="+mn-lt"/>
+                    <a:ea typeface="+mn-ea"/>
+                    <a:cs typeface="+mn-cs"/>
+                  </a:defRPr>
+                </a:lvl4pPr>
+                <a:lvl5pPr marL="1828800" indent="0">
+                  <a:defRPr sz="1100">
+                    <a:latin typeface="+mn-lt"/>
+                    <a:ea typeface="+mn-ea"/>
+                    <a:cs typeface="+mn-cs"/>
+                  </a:defRPr>
+                </a:lvl5pPr>
+                <a:lvl6pPr marL="2286000" indent="0">
+                  <a:defRPr sz="1100">
+                    <a:latin typeface="+mn-lt"/>
+                    <a:ea typeface="+mn-ea"/>
+                    <a:cs typeface="+mn-cs"/>
+                  </a:defRPr>
+                </a:lvl6pPr>
+                <a:lvl7pPr marL="2743200" indent="0">
+                  <a:defRPr sz="1100">
+                    <a:latin typeface="+mn-lt"/>
+                    <a:ea typeface="+mn-ea"/>
+                    <a:cs typeface="+mn-cs"/>
+                  </a:defRPr>
+                </a:lvl7pPr>
+                <a:lvl8pPr marL="3200400" indent="0">
+                  <a:defRPr sz="1100">
+                    <a:latin typeface="+mn-lt"/>
+                    <a:ea typeface="+mn-ea"/>
+                    <a:cs typeface="+mn-cs"/>
+                  </a:defRPr>
+                </a:lvl8pPr>
+                <a:lvl9pPr marL="3657600" indent="0">
+                  <a:defRPr sz="1100">
+                    <a:latin typeface="+mn-lt"/>
+                    <a:ea typeface="+mn-ea"/>
+                    <a:cs typeface="+mn-cs"/>
+                  </a:defRPr>
+                </a:lvl9pPr>
+              </a:lstStyle>
+              <a:p>
+                <a:pPr algn="l"/>
+                <a14:m>
+                  <m:oMathPara xmlns:m="http://schemas.openxmlformats.org/officeDocument/2006/math">
+                    <m:oMathParaPr>
+                      <m:jc m:val="centerGroup"/>
+                    </m:oMathParaPr>
+                    <m:oMath xmlns:m="http://schemas.openxmlformats.org/officeDocument/2006/math">
+                      <m:r>
+                        <a:rPr kumimoji="1" lang="en-US" altLang="ja-JP" sz="2400" b="0" i="1" smtClean="0">
+                          <a:latin typeface="Cambria Math" panose="02040503050406030204" pitchFamily="18" charset="0"/>
+                        </a:rPr>
+                        <m:t>𝑣</m:t>
+                      </m:r>
+                      <m:r>
+                        <a:rPr kumimoji="1" lang="en-US" altLang="ja-JP" sz="2400" b="0" i="1">
+                          <a:latin typeface="Cambria Math" panose="02040503050406030204" pitchFamily="18" charset="0"/>
+                        </a:rPr>
+                        <m:t>=</m:t>
+                      </m:r>
+                      <m:f>
+                        <m:fPr>
+                          <m:ctrlPr>
+                            <a:rPr kumimoji="1" lang="en-US" altLang="ja-JP" sz="2400" b="0" i="1" smtClean="0">
+                              <a:latin typeface="Cambria Math" panose="02040503050406030204" pitchFamily="18" charset="0"/>
+                            </a:rPr>
+                          </m:ctrlPr>
+                        </m:fPr>
+                        <m:num>
+                          <m:r>
+                            <a:rPr kumimoji="1" lang="en-US" altLang="ja-JP" sz="2400" b="0" i="1" smtClean="0">
+                              <a:latin typeface="Cambria Math" panose="02040503050406030204" pitchFamily="18" charset="0"/>
+                            </a:rPr>
+                            <m:t>1</m:t>
+                          </m:r>
+                        </m:num>
+                        <m:den>
+                          <m:r>
+                            <a:rPr kumimoji="1" lang="en-US" altLang="ja-JP" sz="2400" b="0" i="1" smtClean="0">
+                              <a:latin typeface="Cambria Math" panose="02040503050406030204" pitchFamily="18" charset="0"/>
+                            </a:rPr>
+                            <m:t>𝑘</m:t>
+                          </m:r>
+                        </m:den>
+                      </m:f>
+                      <m:f>
+                        <m:fPr>
+                          <m:ctrlPr>
+                            <a:rPr kumimoji="1" lang="en-US" altLang="ja-JP" sz="2400" b="0" i="1" smtClean="0">
+                              <a:latin typeface="Cambria Math" panose="02040503050406030204" pitchFamily="18" charset="0"/>
+                            </a:rPr>
+                          </m:ctrlPr>
+                        </m:fPr>
+                        <m:num>
+                          <m:r>
+                            <a:rPr kumimoji="1" lang="en-US" altLang="ja-JP" sz="2400" b="0" i="1" smtClean="0">
+                              <a:latin typeface="Cambria Math" panose="02040503050406030204" pitchFamily="18" charset="0"/>
+                            </a:rPr>
+                            <m:t>𝑑𝐹</m:t>
+                          </m:r>
+                        </m:num>
+                        <m:den>
+                          <m:r>
+                            <a:rPr kumimoji="1" lang="en-US" altLang="ja-JP" sz="2400" b="0" i="1" smtClean="0">
+                              <a:latin typeface="Cambria Math" panose="02040503050406030204" pitchFamily="18" charset="0"/>
+                            </a:rPr>
+                            <m:t>𝑑𝑡</m:t>
+                          </m:r>
+                        </m:den>
+                      </m:f>
+                    </m:oMath>
+                  </m:oMathPara>
+                </a14:m>
+                <a:endParaRPr kumimoji="1" lang="en-US" altLang="ja-JP" sz="2400" b="0" dirty="0"/>
+              </a:p>
+            </p:txBody>
+          </p:sp>
+        </mc:Choice>
+        <mc:Fallback>
+          <p:sp>
+            <p:nvSpPr>
+              <p:cNvPr id="13" name="テキスト ボックス 4">
+                <a:extLst>
+                  <a:ext uri="{FF2B5EF4-FFF2-40B4-BE49-F238E27FC236}">
+                    <a16:creationId xmlns:a16="http://schemas.microsoft.com/office/drawing/2014/main" id="{987EDAC0-C345-49A5-8881-2536EEB34CB5}"/>
+                  </a:ext>
+                </a:extLst>
+              </p:cNvPr>
+              <p:cNvSpPr txBox="1">
+                <a:spLocks noRot="1" noChangeAspect="1" noMove="1" noResize="1" noEditPoints="1" noAdjustHandles="1" noChangeArrowheads="1" noChangeShapeType="1" noTextEdit="1"/>
+              </p:cNvSpPr>
+              <p:nvPr/>
+            </p:nvSpPr>
+            <p:spPr>
+              <a:xfrm>
+                <a:off x="7143072" y="2650661"/>
+                <a:ext cx="1672936" cy="701218"/>
+              </a:xfrm>
+              <a:prstGeom prst="rect">
+                <a:avLst/>
+              </a:prstGeom>
+              <a:blipFill>
+                <a:blip r:embed="rId4"/>
+                <a:stretch>
+                  <a:fillRect/>
+                </a:stretch>
+              </a:blipFill>
+            </p:spPr>
+            <p:txBody>
+              <a:bodyPr/>
+              <a:lstStyle/>
+              <a:p>
+                <a:r>
+                  <a:rPr lang="ja-JP" altLang="en-US">
+                    <a:noFill/>
+                  </a:rPr>
+                  <a:t> </a:t>
+                </a:r>
+              </a:p>
+            </p:txBody>
+          </p:sp>
+        </mc:Fallback>
+      </mc:AlternateContent>
+      <p:sp>
+        <p:nvSpPr>
+          <p:cNvPr id="15" name="テキスト ボックス 14">
+            <a:extLst>
+              <a:ext uri="{FF2B5EF4-FFF2-40B4-BE49-F238E27FC236}">
+                <a16:creationId xmlns:a16="http://schemas.microsoft.com/office/drawing/2014/main" id="{D82C36BB-6081-45B1-8DB5-CF5C04FC9AF2}"/>
+              </a:ext>
+            </a:extLst>
+          </p:cNvPr>
+          <p:cNvSpPr txBox="1"/>
+          <p:nvPr/>
+        </p:nvSpPr>
+        <p:spPr>
+          <a:xfrm>
+            <a:off x="7035848" y="2105507"/>
+            <a:ext cx="2977097" cy="461665"/>
+          </a:xfrm>
+          <a:prstGeom prst="rect">
+            <a:avLst/>
+          </a:prstGeom>
+          <a:noFill/>
+        </p:spPr>
+        <p:txBody>
+          <a:bodyPr wrap="none" rtlCol="0">
+            <a:spAutoFit/>
+          </a:bodyPr>
+          <a:lstStyle/>
+          <a:p>
+            <a:pPr algn="l"/>
+            <a:r>
+              <a:rPr kumimoji="1" lang="ja-JP" altLang="en-US" sz="2400" u="sng" dirty="0"/>
+              <a:t>イナータンス </a:t>
+            </a:r>
+            <a:r>
+              <a:rPr kumimoji="1" lang="en-US" altLang="ja-JP" sz="2400" u="sng" dirty="0"/>
+              <a:t>– </a:t>
+            </a:r>
+            <a:r>
+              <a:rPr kumimoji="1" lang="ja-JP" altLang="en-US" sz="2400" u="sng" dirty="0"/>
+              <a:t>バネ</a:t>
+            </a:r>
+          </a:p>
+        </p:txBody>
+      </p:sp>
+      <mc:AlternateContent xmlns:mc="http://schemas.openxmlformats.org/markup-compatibility/2006">
+        <mc:Choice xmlns:a14="http://schemas.microsoft.com/office/drawing/2010/main" Requires="a14">
+          <p:sp>
+            <p:nvSpPr>
+              <p:cNvPr id="16" name="テキスト ボックス 4">
+                <a:extLst>
+                  <a:ext uri="{FF2B5EF4-FFF2-40B4-BE49-F238E27FC236}">
+                    <a16:creationId xmlns:a16="http://schemas.microsoft.com/office/drawing/2014/main" id="{A9956AA4-58BD-4E0A-A940-FD4768158AB6}"/>
+                  </a:ext>
+                </a:extLst>
+              </p:cNvPr>
+              <p:cNvSpPr txBox="1"/>
+              <p:nvPr/>
+            </p:nvSpPr>
+            <p:spPr>
+              <a:xfrm>
+                <a:off x="7200560" y="3506999"/>
+                <a:ext cx="3969392" cy="968727"/>
+              </a:xfrm>
+              <a:prstGeom prst="rect">
+                <a:avLst/>
+              </a:prstGeom>
+              <a:noFill/>
+            </p:spPr>
+            <p:txBody>
+              <a:bodyPr wrap="square" lIns="0" tIns="0" rIns="0" bIns="0" rtlCol="0">
+                <a:spAutoFit/>
+              </a:bodyPr>
+              <a:lstStyle>
+                <a:lvl1pPr marL="0" indent="0">
+                  <a:defRPr sz="1100">
+                    <a:latin typeface="+mn-lt"/>
+                    <a:ea typeface="+mn-ea"/>
+                    <a:cs typeface="+mn-cs"/>
+                  </a:defRPr>
+                </a:lvl1pPr>
+                <a:lvl2pPr marL="457200" indent="0">
+                  <a:defRPr sz="1100">
+                    <a:latin typeface="+mn-lt"/>
+                    <a:ea typeface="+mn-ea"/>
+                    <a:cs typeface="+mn-cs"/>
+                  </a:defRPr>
+                </a:lvl2pPr>
+                <a:lvl3pPr marL="914400" indent="0">
+                  <a:defRPr sz="1100">
+                    <a:latin typeface="+mn-lt"/>
+                    <a:ea typeface="+mn-ea"/>
+                    <a:cs typeface="+mn-cs"/>
+                  </a:defRPr>
+                </a:lvl3pPr>
+                <a:lvl4pPr marL="1371600" indent="0">
+                  <a:defRPr sz="1100">
+                    <a:latin typeface="+mn-lt"/>
+                    <a:ea typeface="+mn-ea"/>
+                    <a:cs typeface="+mn-cs"/>
+                  </a:defRPr>
+                </a:lvl4pPr>
+                <a:lvl5pPr marL="1828800" indent="0">
+                  <a:defRPr sz="1100">
+                    <a:latin typeface="+mn-lt"/>
+                    <a:ea typeface="+mn-ea"/>
+                    <a:cs typeface="+mn-cs"/>
+                  </a:defRPr>
+                </a:lvl5pPr>
+                <a:lvl6pPr marL="2286000" indent="0">
+                  <a:defRPr sz="1100">
+                    <a:latin typeface="+mn-lt"/>
+                    <a:ea typeface="+mn-ea"/>
+                    <a:cs typeface="+mn-cs"/>
+                  </a:defRPr>
+                </a:lvl6pPr>
+                <a:lvl7pPr marL="2743200" indent="0">
+                  <a:defRPr sz="1100">
+                    <a:latin typeface="+mn-lt"/>
+                    <a:ea typeface="+mn-ea"/>
+                    <a:cs typeface="+mn-cs"/>
+                  </a:defRPr>
+                </a:lvl7pPr>
+                <a:lvl8pPr marL="3200400" indent="0">
+                  <a:defRPr sz="1100">
+                    <a:latin typeface="+mn-lt"/>
+                    <a:ea typeface="+mn-ea"/>
+                    <a:cs typeface="+mn-cs"/>
+                  </a:defRPr>
+                </a:lvl8pPr>
+                <a:lvl9pPr marL="3657600" indent="0">
+                  <a:defRPr sz="1100">
+                    <a:latin typeface="+mn-lt"/>
+                    <a:ea typeface="+mn-ea"/>
+                    <a:cs typeface="+mn-cs"/>
+                  </a:defRPr>
+                </a:lvl9pPr>
+              </a:lstStyle>
+              <a:p>
+                <a:pPr algn="l"/>
+                <a14:m>
+                  <m:oMathPara xmlns:m="http://schemas.openxmlformats.org/officeDocument/2006/math">
+                    <m:oMathParaPr>
+                      <m:jc m:val="centerGroup"/>
+                    </m:oMathParaPr>
+                    <m:oMath xmlns:m="http://schemas.openxmlformats.org/officeDocument/2006/math">
+                      <m:r>
+                        <a:rPr kumimoji="1" lang="en-US" altLang="ja-JP" sz="2400" b="0" i="1" smtClean="0">
+                          <a:latin typeface="Cambria Math" panose="02040503050406030204" pitchFamily="18" charset="0"/>
+                        </a:rPr>
+                        <m:t>𝑘</m:t>
+                      </m:r>
+                      <m:nary>
+                        <m:naryPr>
+                          <m:limLoc m:val="undOvr"/>
+                          <m:subHide m:val="on"/>
+                          <m:supHide m:val="on"/>
+                          <m:ctrlPr>
+                            <a:rPr kumimoji="1" lang="en-US" altLang="ja-JP" sz="2400" b="0" i="1">
+                              <a:latin typeface="Cambria Math" panose="02040503050406030204" pitchFamily="18" charset="0"/>
+                            </a:rPr>
+                          </m:ctrlPr>
+                        </m:naryPr>
+                        <m:sub/>
+                        <m:sup/>
+                        <m:e>
+                          <m:r>
+                            <a:rPr kumimoji="1" lang="en-US" altLang="ja-JP" sz="2400" b="0" i="1">
+                              <a:latin typeface="Cambria Math" panose="02040503050406030204" pitchFamily="18" charset="0"/>
+                            </a:rPr>
+                            <m:t>𝑣𝑑𝑡</m:t>
+                          </m:r>
+                        </m:e>
+                      </m:nary>
+                      <m:r>
+                        <a:rPr kumimoji="1" lang="en-US" altLang="ja-JP" sz="2400" i="1">
+                          <a:latin typeface="Cambria Math" panose="02040503050406030204" pitchFamily="18" charset="0"/>
+                        </a:rPr>
+                        <m:t>=</m:t>
+                      </m:r>
+                      <m:sSub>
+                        <m:sSubPr>
+                          <m:ctrlPr>
+                            <a:rPr kumimoji="1" lang="en-US" altLang="ja-JP" sz="2400" b="0" i="1">
+                              <a:latin typeface="Cambria Math" panose="02040503050406030204" pitchFamily="18" charset="0"/>
+                            </a:rPr>
+                          </m:ctrlPr>
+                        </m:sSubPr>
+                        <m:e>
+                          <m:r>
+                            <a:rPr kumimoji="1" lang="en-US" altLang="ja-JP" sz="2400" b="0" i="1">
+                              <a:latin typeface="Cambria Math" panose="02040503050406030204" pitchFamily="18" charset="0"/>
+                            </a:rPr>
+                            <m:t>𝐹</m:t>
+                          </m:r>
+                        </m:e>
+                        <m:sub>
+                          <m:r>
+                            <a:rPr kumimoji="1" lang="en-US" altLang="ja-JP" sz="2400" b="0" i="1">
+                              <a:latin typeface="Cambria Math" panose="02040503050406030204" pitchFamily="18" charset="0"/>
+                            </a:rPr>
+                            <m:t>1</m:t>
+                          </m:r>
+                        </m:sub>
+                      </m:sSub>
+                      <m:r>
+                        <a:rPr kumimoji="1" lang="en-US" altLang="ja-JP" sz="2400" b="0" i="1">
+                          <a:latin typeface="Cambria Math" panose="02040503050406030204" pitchFamily="18" charset="0"/>
+                        </a:rPr>
+                        <m:t>−</m:t>
+                      </m:r>
+                      <m:sSub>
+                        <m:sSubPr>
+                          <m:ctrlPr>
+                            <a:rPr kumimoji="1" lang="en-US" altLang="ja-JP" sz="2400" b="0" i="1">
+                              <a:latin typeface="Cambria Math" panose="02040503050406030204" pitchFamily="18" charset="0"/>
+                            </a:rPr>
+                          </m:ctrlPr>
+                        </m:sSubPr>
+                        <m:e>
+                          <m:r>
+                            <a:rPr kumimoji="1" lang="en-US" altLang="ja-JP" sz="2400" b="0" i="1">
+                              <a:latin typeface="Cambria Math" panose="02040503050406030204" pitchFamily="18" charset="0"/>
+                            </a:rPr>
+                            <m:t>𝐹</m:t>
+                          </m:r>
+                        </m:e>
+                        <m:sub>
+                          <m:r>
+                            <a:rPr kumimoji="1" lang="en-US" altLang="ja-JP" sz="2400" b="0" i="1">
+                              <a:latin typeface="Cambria Math" panose="02040503050406030204" pitchFamily="18" charset="0"/>
+                            </a:rPr>
+                            <m:t>0</m:t>
+                          </m:r>
+                        </m:sub>
+                      </m:sSub>
+                    </m:oMath>
+                  </m:oMathPara>
+                </a14:m>
+                <a:endParaRPr kumimoji="1" lang="ja-JP" altLang="en-US" sz="2400" dirty="0"/>
+              </a:p>
+            </p:txBody>
+          </p:sp>
+        </mc:Choice>
+        <mc:Fallback>
+          <p:sp>
+            <p:nvSpPr>
+              <p:cNvPr id="16" name="テキスト ボックス 4">
+                <a:extLst>
+                  <a:ext uri="{FF2B5EF4-FFF2-40B4-BE49-F238E27FC236}">
+                    <a16:creationId xmlns:a16="http://schemas.microsoft.com/office/drawing/2014/main" id="{A9956AA4-58BD-4E0A-A940-FD4768158AB6}"/>
+                  </a:ext>
+                </a:extLst>
+              </p:cNvPr>
+              <p:cNvSpPr txBox="1">
+                <a:spLocks noRot="1" noChangeAspect="1" noMove="1" noResize="1" noEditPoints="1" noAdjustHandles="1" noChangeArrowheads="1" noChangeShapeType="1" noTextEdit="1"/>
+              </p:cNvSpPr>
+              <p:nvPr/>
+            </p:nvSpPr>
+            <p:spPr>
+              <a:xfrm>
+                <a:off x="7200560" y="3506999"/>
+                <a:ext cx="3969392" cy="968727"/>
+              </a:xfrm>
+              <a:prstGeom prst="rect">
+                <a:avLst/>
+              </a:prstGeom>
+              <a:blipFill>
+                <a:blip r:embed="rId5"/>
+                <a:stretch>
+                  <a:fillRect/>
+                </a:stretch>
+              </a:blipFill>
+            </p:spPr>
+            <p:txBody>
+              <a:bodyPr/>
+              <a:lstStyle/>
+              <a:p>
+                <a:r>
+                  <a:rPr lang="ja-JP" altLang="en-US">
+                    <a:noFill/>
+                  </a:rPr>
+                  <a:t> </a:t>
+                </a:r>
+              </a:p>
+            </p:txBody>
+          </p:sp>
+        </mc:Fallback>
+      </mc:AlternateContent>
+      <p:sp>
+        <p:nvSpPr>
+          <p:cNvPr id="8" name="矢印: 右 7">
+            <a:extLst>
+              <a:ext uri="{FF2B5EF4-FFF2-40B4-BE49-F238E27FC236}">
+                <a16:creationId xmlns:a16="http://schemas.microsoft.com/office/drawing/2014/main" id="{5272C0DD-C9B8-4B9E-8112-D30B771F22D3}"/>
+              </a:ext>
+            </a:extLst>
+          </p:cNvPr>
+          <p:cNvSpPr/>
+          <p:nvPr/>
+        </p:nvSpPr>
+        <p:spPr>
+          <a:xfrm>
+            <a:off x="7511701" y="3848238"/>
+            <a:ext cx="345882" cy="286247"/>
+          </a:xfrm>
+          <a:prstGeom prst="rightArrow">
+            <a:avLst/>
+          </a:prstGeom>
+          <a:solidFill>
+            <a:schemeClr val="tx1"/>
+          </a:solidFill>
+          <a:ln>
+            <a:solidFill>
+              <a:schemeClr val="tx1"/>
+            </a:solidFill>
+          </a:ln>
+        </p:spPr>
+        <p:style>
+          <a:lnRef idx="2">
+            <a:schemeClr val="accent1">
+              <a:shade val="50000"/>
+            </a:schemeClr>
+          </a:lnRef>
+          <a:fillRef idx="1">
+            <a:schemeClr val="accent1"/>
+          </a:fillRef>
+          <a:effectRef idx="0">
+            <a:schemeClr val="accent1"/>
+          </a:effectRef>
+          <a:fontRef idx="minor">
+            <a:schemeClr val="lt1"/>
+          </a:fontRef>
+        </p:style>
+        <p:txBody>
+          <a:bodyPr rtlCol="0" anchor="ctr"/>
+          <a:lstStyle/>
+          <a:p>
+            <a:pPr algn="ctr"/>
+            <a:endParaRPr kumimoji="1" lang="ja-JP" altLang="en-US"/>
+          </a:p>
+        </p:txBody>
+      </p:sp>
+      <mc:AlternateContent xmlns:mc="http://schemas.openxmlformats.org/markup-compatibility/2006">
+        <mc:Choice xmlns:a14="http://schemas.microsoft.com/office/drawing/2010/main" Requires="a14">
+          <p:sp>
+            <p:nvSpPr>
+              <p:cNvPr id="17" name="テキスト ボックス 4">
+                <a:extLst>
+                  <a:ext uri="{FF2B5EF4-FFF2-40B4-BE49-F238E27FC236}">
+                    <a16:creationId xmlns:a16="http://schemas.microsoft.com/office/drawing/2014/main" id="{F66A432E-83EE-4428-BDEB-171E1CA221E4}"/>
+                  </a:ext>
+                </a:extLst>
+              </p:cNvPr>
+              <p:cNvSpPr txBox="1"/>
+              <p:nvPr/>
+            </p:nvSpPr>
+            <p:spPr>
+              <a:xfrm>
+                <a:off x="8207112" y="4641220"/>
+                <a:ext cx="1849684" cy="369332"/>
+              </a:xfrm>
+              <a:prstGeom prst="rect">
+                <a:avLst/>
+              </a:prstGeom>
+              <a:noFill/>
+            </p:spPr>
+            <p:txBody>
+              <a:bodyPr wrap="square" lIns="0" tIns="0" rIns="0" bIns="0" rtlCol="0">
+                <a:spAutoFit/>
+              </a:bodyPr>
+              <a:lstStyle>
+                <a:lvl1pPr marL="0" indent="0">
+                  <a:defRPr sz="1100">
+                    <a:latin typeface="+mn-lt"/>
+                    <a:ea typeface="+mn-ea"/>
+                    <a:cs typeface="+mn-cs"/>
+                  </a:defRPr>
+                </a:lvl1pPr>
+                <a:lvl2pPr marL="457200" indent="0">
+                  <a:defRPr sz="1100">
+                    <a:latin typeface="+mn-lt"/>
+                    <a:ea typeface="+mn-ea"/>
+                    <a:cs typeface="+mn-cs"/>
+                  </a:defRPr>
+                </a:lvl2pPr>
+                <a:lvl3pPr marL="914400" indent="0">
+                  <a:defRPr sz="1100">
+                    <a:latin typeface="+mn-lt"/>
+                    <a:ea typeface="+mn-ea"/>
+                    <a:cs typeface="+mn-cs"/>
+                  </a:defRPr>
+                </a:lvl3pPr>
+                <a:lvl4pPr marL="1371600" indent="0">
+                  <a:defRPr sz="1100">
+                    <a:latin typeface="+mn-lt"/>
+                    <a:ea typeface="+mn-ea"/>
+                    <a:cs typeface="+mn-cs"/>
+                  </a:defRPr>
+                </a:lvl4pPr>
+                <a:lvl5pPr marL="1828800" indent="0">
+                  <a:defRPr sz="1100">
+                    <a:latin typeface="+mn-lt"/>
+                    <a:ea typeface="+mn-ea"/>
+                    <a:cs typeface="+mn-cs"/>
+                  </a:defRPr>
+                </a:lvl5pPr>
+                <a:lvl6pPr marL="2286000" indent="0">
+                  <a:defRPr sz="1100">
+                    <a:latin typeface="+mn-lt"/>
+                    <a:ea typeface="+mn-ea"/>
+                    <a:cs typeface="+mn-cs"/>
+                  </a:defRPr>
+                </a:lvl6pPr>
+                <a:lvl7pPr marL="2743200" indent="0">
+                  <a:defRPr sz="1100">
+                    <a:latin typeface="+mn-lt"/>
+                    <a:ea typeface="+mn-ea"/>
+                    <a:cs typeface="+mn-cs"/>
+                  </a:defRPr>
+                </a:lvl7pPr>
+                <a:lvl8pPr marL="3200400" indent="0">
+                  <a:defRPr sz="1100">
+                    <a:latin typeface="+mn-lt"/>
+                    <a:ea typeface="+mn-ea"/>
+                    <a:cs typeface="+mn-cs"/>
+                  </a:defRPr>
+                </a:lvl8pPr>
+                <a:lvl9pPr marL="3657600" indent="0">
+                  <a:defRPr sz="1100">
+                    <a:latin typeface="+mn-lt"/>
+                    <a:ea typeface="+mn-ea"/>
+                    <a:cs typeface="+mn-cs"/>
+                  </a:defRPr>
+                </a:lvl9pPr>
+              </a:lstStyle>
+              <a:p>
+                <a14:m>
+                  <m:oMathPara xmlns:m="http://schemas.openxmlformats.org/officeDocument/2006/math">
+                    <m:oMathParaPr>
+                      <m:jc m:val="centerGroup"/>
+                    </m:oMathParaPr>
+                    <m:oMath xmlns:m="http://schemas.openxmlformats.org/officeDocument/2006/math">
+                      <m:r>
+                        <a:rPr kumimoji="1" lang="en-US" altLang="ja-JP" sz="2400" b="0" i="1" smtClean="0">
+                          <a:latin typeface="Cambria Math" panose="02040503050406030204" pitchFamily="18" charset="0"/>
+                        </a:rPr>
+                        <m:t>𝑘</m:t>
+                      </m:r>
+                      <m:r>
+                        <a:rPr lang="en-US" altLang="ja-JP" sz="2400" i="1">
+                          <a:latin typeface="Cambria Math" panose="02040503050406030204" pitchFamily="18" charset="0"/>
+                          <a:ea typeface="Cambria Math" panose="02040503050406030204" pitchFamily="18" charset="0"/>
+                        </a:rPr>
+                        <m:t>∆</m:t>
+                      </m:r>
+                      <m:r>
+                        <a:rPr kumimoji="1" lang="en-US" altLang="ja-JP" sz="2400" b="0" i="1" smtClean="0">
+                          <a:latin typeface="Cambria Math" panose="02040503050406030204" pitchFamily="18" charset="0"/>
+                        </a:rPr>
+                        <m:t>𝑥</m:t>
+                      </m:r>
+                      <m:r>
+                        <a:rPr kumimoji="1" lang="en-US" altLang="ja-JP" sz="2400" i="1">
+                          <a:latin typeface="Cambria Math" panose="02040503050406030204" pitchFamily="18" charset="0"/>
+                        </a:rPr>
+                        <m:t>=</m:t>
+                      </m:r>
+                      <m:r>
+                        <a:rPr lang="en-US" altLang="ja-JP" sz="2400" i="1">
+                          <a:latin typeface="Cambria Math" panose="02040503050406030204" pitchFamily="18" charset="0"/>
+                          <a:ea typeface="Cambria Math" panose="02040503050406030204" pitchFamily="18" charset="0"/>
+                        </a:rPr>
+                        <m:t>∆</m:t>
+                      </m:r>
+                      <m:r>
+                        <a:rPr lang="en-US" altLang="ja-JP" sz="2400" b="0" i="1" smtClean="0">
+                          <a:latin typeface="Cambria Math" panose="02040503050406030204" pitchFamily="18" charset="0"/>
+                          <a:ea typeface="Cambria Math" panose="02040503050406030204" pitchFamily="18" charset="0"/>
+                        </a:rPr>
+                        <m:t>𝐹</m:t>
+                      </m:r>
+                    </m:oMath>
+                  </m:oMathPara>
+                </a14:m>
+                <a:endParaRPr kumimoji="1" lang="ja-JP" altLang="en-US" sz="2400" dirty="0"/>
+              </a:p>
+            </p:txBody>
+          </p:sp>
+        </mc:Choice>
+        <mc:Fallback>
+          <p:sp>
+            <p:nvSpPr>
+              <p:cNvPr id="17" name="テキスト ボックス 4">
+                <a:extLst>
+                  <a:ext uri="{FF2B5EF4-FFF2-40B4-BE49-F238E27FC236}">
+                    <a16:creationId xmlns:a16="http://schemas.microsoft.com/office/drawing/2014/main" id="{F66A432E-83EE-4428-BDEB-171E1CA221E4}"/>
+                  </a:ext>
+                </a:extLst>
+              </p:cNvPr>
+              <p:cNvSpPr txBox="1">
+                <a:spLocks noRot="1" noChangeAspect="1" noMove="1" noResize="1" noEditPoints="1" noAdjustHandles="1" noChangeArrowheads="1" noChangeShapeType="1" noTextEdit="1"/>
+              </p:cNvSpPr>
+              <p:nvPr/>
+            </p:nvSpPr>
+            <p:spPr>
+              <a:xfrm>
+                <a:off x="8207112" y="4641220"/>
+                <a:ext cx="1849684" cy="369332"/>
+              </a:xfrm>
+              <a:prstGeom prst="rect">
+                <a:avLst/>
+              </a:prstGeom>
+              <a:blipFill>
+                <a:blip r:embed="rId6"/>
+                <a:stretch>
+                  <a:fillRect b="-4918"/>
+                </a:stretch>
+              </a:blipFill>
+            </p:spPr>
+            <p:txBody>
+              <a:bodyPr/>
+              <a:lstStyle/>
+              <a:p>
+                <a:r>
+                  <a:rPr lang="ja-JP" altLang="en-US">
+                    <a:noFill/>
+                  </a:rPr>
+                  <a:t> </a:t>
+                </a:r>
+              </a:p>
+            </p:txBody>
+          </p:sp>
+        </mc:Fallback>
+      </mc:AlternateContent>
+      <p:sp>
+        <p:nvSpPr>
+          <p:cNvPr id="18" name="矢印: 右 17">
+            <a:extLst>
+              <a:ext uri="{FF2B5EF4-FFF2-40B4-BE49-F238E27FC236}">
+                <a16:creationId xmlns:a16="http://schemas.microsoft.com/office/drawing/2014/main" id="{84806812-A6FC-4D93-A03C-4A98AC15194A}"/>
+              </a:ext>
+            </a:extLst>
+          </p:cNvPr>
+          <p:cNvSpPr/>
+          <p:nvPr/>
+        </p:nvSpPr>
+        <p:spPr>
+          <a:xfrm>
+            <a:off x="7511470" y="4730668"/>
+            <a:ext cx="345882" cy="286247"/>
+          </a:xfrm>
+          <a:prstGeom prst="rightArrow">
+            <a:avLst/>
+          </a:prstGeom>
+          <a:solidFill>
+            <a:schemeClr val="tx1"/>
+          </a:solidFill>
+          <a:ln>
+            <a:solidFill>
+              <a:schemeClr val="tx1"/>
+            </a:solidFill>
+          </a:ln>
+        </p:spPr>
+        <p:style>
+          <a:lnRef idx="2">
+            <a:schemeClr val="accent1">
+              <a:shade val="50000"/>
+            </a:schemeClr>
+          </a:lnRef>
+          <a:fillRef idx="1">
+            <a:schemeClr val="accent1"/>
+          </a:fillRef>
+          <a:effectRef idx="0">
+            <a:schemeClr val="accent1"/>
+          </a:effectRef>
+          <a:fontRef idx="minor">
+            <a:schemeClr val="lt1"/>
+          </a:fontRef>
+        </p:style>
+        <p:txBody>
+          <a:bodyPr rtlCol="0" anchor="ctr"/>
+          <a:lstStyle/>
+          <a:p>
+            <a:pPr algn="ctr"/>
+            <a:endParaRPr kumimoji="1" lang="ja-JP" altLang="en-US"/>
+          </a:p>
+        </p:txBody>
+      </p:sp>
+      <p:sp>
+        <p:nvSpPr>
+          <p:cNvPr id="22" name="テキスト ボックス 21">
+            <a:extLst>
+              <a:ext uri="{FF2B5EF4-FFF2-40B4-BE49-F238E27FC236}">
+                <a16:creationId xmlns:a16="http://schemas.microsoft.com/office/drawing/2014/main" id="{8A9A8917-0289-494B-BA00-48CAB89BF6D3}"/>
+              </a:ext>
+            </a:extLst>
+          </p:cNvPr>
+          <p:cNvSpPr txBox="1"/>
+          <p:nvPr/>
+        </p:nvSpPr>
+        <p:spPr>
+          <a:xfrm>
+            <a:off x="8435072" y="5182934"/>
+            <a:ext cx="3158237" cy="830997"/>
+          </a:xfrm>
+          <a:prstGeom prst="rect">
+            <a:avLst/>
+          </a:prstGeom>
+          <a:noFill/>
+        </p:spPr>
+        <p:txBody>
+          <a:bodyPr wrap="none" rtlCol="0">
+            <a:spAutoFit/>
+          </a:bodyPr>
+          <a:lstStyle/>
+          <a:p>
+            <a:pPr algn="l"/>
+            <a:r>
+              <a:rPr kumimoji="1" lang="ja-JP" altLang="en-US" sz="1600" dirty="0"/>
+              <a:t>フックの法則</a:t>
+            </a:r>
+            <a:endParaRPr kumimoji="1" lang="en-US" altLang="ja-JP" sz="1600" dirty="0"/>
+          </a:p>
+          <a:p>
+            <a:pPr algn="l"/>
+            <a:r>
+              <a:rPr kumimoji="1" lang="ja-JP" altLang="en-US" sz="1600" dirty="0"/>
+              <a:t>　力の変化量</a:t>
+            </a:r>
+            <a:r>
+              <a:rPr kumimoji="1" lang="en-US" altLang="ja-JP" sz="1600" dirty="0"/>
+              <a:t>ΔF</a:t>
+            </a:r>
+            <a:r>
+              <a:rPr kumimoji="1" lang="ja-JP" altLang="en-US" sz="1600" dirty="0"/>
+              <a:t>が</a:t>
+            </a:r>
+            <a:endParaRPr kumimoji="1" lang="en-US" altLang="ja-JP" sz="1600" dirty="0"/>
+          </a:p>
+          <a:p>
+            <a:pPr algn="l"/>
+            <a:r>
+              <a:rPr kumimoji="1" lang="ja-JP" altLang="en-US" sz="1600" dirty="0"/>
+              <a:t>　バネの伸びの変化量</a:t>
+            </a:r>
+            <a:r>
+              <a:rPr kumimoji="1" lang="en-US" altLang="ja-JP" sz="1600" dirty="0" err="1"/>
+              <a:t>Δx</a:t>
+            </a:r>
+            <a:r>
+              <a:rPr kumimoji="1" lang="ja-JP" altLang="en-US" sz="1600" dirty="0"/>
+              <a:t>に比例</a:t>
+            </a:r>
+          </a:p>
+        </p:txBody>
+      </p:sp>
+      <p:sp>
+        <p:nvSpPr>
+          <p:cNvPr id="24" name="テキスト ボックス 23">
+            <a:extLst>
+              <a:ext uri="{FF2B5EF4-FFF2-40B4-BE49-F238E27FC236}">
+                <a16:creationId xmlns:a16="http://schemas.microsoft.com/office/drawing/2014/main" id="{B6C0252E-39E9-452F-8D9B-B2C2081FF368}"/>
+              </a:ext>
+            </a:extLst>
+          </p:cNvPr>
+          <p:cNvSpPr txBox="1"/>
+          <p:nvPr/>
+        </p:nvSpPr>
+        <p:spPr>
+          <a:xfrm>
+            <a:off x="619760" y="721468"/>
+            <a:ext cx="7757160" cy="707886"/>
           </a:xfrm>
           <a:prstGeom prst="rect">
             <a:avLst/>
@@ -33940,106 +35404,396 @@
           </a:bodyPr>
           <a:lstStyle/>
           <a:p>
-            <a:r>
-              <a:rPr kumimoji="1" lang="en-US" altLang="ja-JP" sz="2400" dirty="0" err="1"/>
-              <a:t>OpenModelica</a:t>
-            </a:r>
-            <a:r>
-              <a:rPr kumimoji="1" lang="ja-JP" altLang="en-US" sz="2400" dirty="0"/>
-              <a:t>を使用して、</a:t>
-            </a:r>
-            <a:r>
-              <a:rPr lang="ja-JP" altLang="en-US" sz="2400" dirty="0"/>
-              <a:t>自分の興味ある物理ドメインに対して以下の典型的なコンポーネントを見つけてみてください。</a:t>
-            </a:r>
-            <a:endParaRPr lang="en-US" altLang="ja-JP" sz="2400" dirty="0"/>
-          </a:p>
-          <a:p>
-            <a:r>
-              <a:rPr kumimoji="1" lang="ja-JP" altLang="en-US" sz="2400" dirty="0"/>
-              <a:t>　・抵抗</a:t>
-            </a:r>
-            <a:endParaRPr kumimoji="1" lang="en-US" altLang="ja-JP" sz="2400" dirty="0"/>
-          </a:p>
-          <a:p>
-            <a:r>
-              <a:rPr lang="ja-JP" altLang="en-US" sz="2400" dirty="0"/>
-              <a:t>　・インダクタンス</a:t>
-            </a:r>
-            <a:endParaRPr lang="en-US" altLang="ja-JP" sz="2400" dirty="0"/>
-          </a:p>
-          <a:p>
-            <a:r>
-              <a:rPr kumimoji="1" lang="ja-JP" altLang="en-US" sz="2400" dirty="0"/>
-              <a:t>　・キャパシタ</a:t>
-            </a:r>
-            <a:endParaRPr kumimoji="1" lang="en-US" altLang="ja-JP" sz="2400" dirty="0"/>
-          </a:p>
-          <a:p>
-            <a:r>
-              <a:rPr lang="ja-JP" altLang="en-US" sz="2400" dirty="0"/>
-              <a:t>　・ソース　ポテンシャル</a:t>
-            </a:r>
-            <a:endParaRPr lang="en-US" altLang="ja-JP" sz="2400" dirty="0"/>
-          </a:p>
-          <a:p>
-            <a:r>
-              <a:rPr kumimoji="1" lang="en-US" altLang="ja-JP" sz="2400" dirty="0"/>
-              <a:t>(</a:t>
-            </a:r>
-            <a:r>
-              <a:rPr kumimoji="1" lang="ja-JP" altLang="en-US" sz="2400" dirty="0"/>
-              <a:t>解答資料無し</a:t>
-            </a:r>
-            <a:r>
-              <a:rPr kumimoji="1" lang="en-US" altLang="ja-JP" sz="2400" dirty="0"/>
-              <a:t>)</a:t>
-            </a:r>
-            <a:endParaRPr kumimoji="1" lang="ja-JP" altLang="en-US" sz="2400" dirty="0"/>
+            <a:pPr algn="l"/>
+            <a:r>
+              <a:rPr kumimoji="1" lang="ja-JP" altLang="en-US" sz="2000" dirty="0"/>
+              <a:t>並進運動においてポテンシャルを速度、フローを力とした場合の</a:t>
+            </a:r>
+            <a:endParaRPr kumimoji="1" lang="en-US" altLang="ja-JP" sz="2000" dirty="0"/>
+          </a:p>
+          <a:p>
+            <a:pPr algn="l"/>
+            <a:r>
+              <a:rPr kumimoji="1" lang="ja-JP" altLang="en-US" sz="2000" dirty="0"/>
+              <a:t>抵抗</a:t>
+            </a:r>
+            <a:r>
+              <a:rPr kumimoji="1" lang="en-US" altLang="ja-JP" sz="2000" dirty="0"/>
+              <a:t>R</a:t>
+            </a:r>
+            <a:r>
+              <a:rPr kumimoji="1" lang="ja-JP" altLang="en-US" sz="2000" dirty="0"/>
+              <a:t>、キャパシタ</a:t>
+            </a:r>
+            <a:r>
+              <a:rPr kumimoji="1" lang="en-US" altLang="ja-JP" sz="2000" dirty="0"/>
+              <a:t>C</a:t>
+            </a:r>
+            <a:r>
+              <a:rPr kumimoji="1" lang="ja-JP" altLang="en-US" sz="2000" dirty="0"/>
+              <a:t>、イナータンス</a:t>
+            </a:r>
+            <a:r>
+              <a:rPr kumimoji="1" lang="en-US" altLang="ja-JP" sz="2000" dirty="0"/>
+              <a:t>L</a:t>
+            </a:r>
+            <a:r>
+              <a:rPr kumimoji="1" lang="ja-JP" altLang="en-US" sz="2000" dirty="0"/>
+              <a:t>は以下のようになります。</a:t>
+            </a:r>
           </a:p>
         </p:txBody>
       </p:sp>
-      <p:sp>
-        <p:nvSpPr>
-          <p:cNvPr id="5" name="テキスト ボックス 4">
+      <p:cxnSp>
+        <p:nvCxnSpPr>
+          <p:cNvPr id="26" name="直線コネクタ 25">
             <a:extLst>
               <a:ext uri="{FF2B5EF4-FFF2-40B4-BE49-F238E27FC236}">
-                <a16:creationId xmlns:a16="http://schemas.microsoft.com/office/drawing/2014/main" id="{318FB08D-FEB5-49D8-B729-7E309D83AB65}"/>
+                <a16:creationId xmlns:a16="http://schemas.microsoft.com/office/drawing/2014/main" id="{69644A19-85C7-4ACC-9519-C080E8EDF0A4}"/>
               </a:ext>
             </a:extLst>
           </p:cNvPr>
-          <p:cNvSpPr txBox="1"/>
+          <p:cNvCxnSpPr>
+            <a:cxnSpLocks/>
+          </p:cNvCxnSpPr>
+          <p:nvPr/>
+        </p:nvCxnSpPr>
+        <p:spPr>
+          <a:xfrm>
+            <a:off x="8524396" y="5066961"/>
+            <a:ext cx="1260087" cy="0"/>
+          </a:xfrm>
+          <a:prstGeom prst="line">
+            <a:avLst/>
+          </a:prstGeom>
+          <a:ln w="28575">
+            <a:solidFill>
+              <a:srgbClr val="FF0000"/>
+            </a:solidFill>
+            <a:headEnd type="none" w="med" len="med"/>
+            <a:tailEnd type="none" w="med" len="med"/>
+          </a:ln>
+        </p:spPr>
+        <p:style>
+          <a:lnRef idx="1">
+            <a:schemeClr val="accent1"/>
+          </a:lnRef>
+          <a:fillRef idx="0">
+            <a:schemeClr val="accent1"/>
+          </a:fillRef>
+          <a:effectRef idx="0">
+            <a:schemeClr val="accent1"/>
+          </a:effectRef>
+          <a:fontRef idx="minor">
+            <a:schemeClr val="tx1"/>
+          </a:fontRef>
+        </p:style>
+      </p:cxnSp>
+      <mc:AlternateContent xmlns:mc="http://schemas.openxmlformats.org/markup-compatibility/2006">
+        <mc:Choice xmlns:a14="http://schemas.microsoft.com/office/drawing/2010/main" Requires="a14">
+          <p:sp>
+            <p:nvSpPr>
+              <p:cNvPr id="28" name="テキスト ボックス 4">
+                <a:extLst>
+                  <a:ext uri="{FF2B5EF4-FFF2-40B4-BE49-F238E27FC236}">
+                    <a16:creationId xmlns:a16="http://schemas.microsoft.com/office/drawing/2014/main" id="{CD0AB8A7-08D6-454C-A712-9E3ECAA826DC}"/>
+                  </a:ext>
+                </a:extLst>
+              </p:cNvPr>
+              <p:cNvSpPr txBox="1"/>
+              <p:nvPr/>
+            </p:nvSpPr>
+            <p:spPr>
+              <a:xfrm>
+                <a:off x="3730601" y="3595760"/>
+                <a:ext cx="3969392" cy="741100"/>
+              </a:xfrm>
+              <a:prstGeom prst="rect">
+                <a:avLst/>
+              </a:prstGeom>
+              <a:noFill/>
+            </p:spPr>
+            <p:txBody>
+              <a:bodyPr wrap="square" lIns="0" tIns="0" rIns="0" bIns="0" rtlCol="0">
+                <a:spAutoFit/>
+              </a:bodyPr>
+              <a:lstStyle>
+                <a:lvl1pPr marL="0" indent="0">
+                  <a:defRPr sz="1100">
+                    <a:latin typeface="+mn-lt"/>
+                    <a:ea typeface="+mn-ea"/>
+                    <a:cs typeface="+mn-cs"/>
+                  </a:defRPr>
+                </a:lvl1pPr>
+                <a:lvl2pPr marL="457200" indent="0">
+                  <a:defRPr sz="1100">
+                    <a:latin typeface="+mn-lt"/>
+                    <a:ea typeface="+mn-ea"/>
+                    <a:cs typeface="+mn-cs"/>
+                  </a:defRPr>
+                </a:lvl2pPr>
+                <a:lvl3pPr marL="914400" indent="0">
+                  <a:defRPr sz="1100">
+                    <a:latin typeface="+mn-lt"/>
+                    <a:ea typeface="+mn-ea"/>
+                    <a:cs typeface="+mn-cs"/>
+                  </a:defRPr>
+                </a:lvl3pPr>
+                <a:lvl4pPr marL="1371600" indent="0">
+                  <a:defRPr sz="1100">
+                    <a:latin typeface="+mn-lt"/>
+                    <a:ea typeface="+mn-ea"/>
+                    <a:cs typeface="+mn-cs"/>
+                  </a:defRPr>
+                </a:lvl4pPr>
+                <a:lvl5pPr marL="1828800" indent="0">
+                  <a:defRPr sz="1100">
+                    <a:latin typeface="+mn-lt"/>
+                    <a:ea typeface="+mn-ea"/>
+                    <a:cs typeface="+mn-cs"/>
+                  </a:defRPr>
+                </a:lvl5pPr>
+                <a:lvl6pPr marL="2286000" indent="0">
+                  <a:defRPr sz="1100">
+                    <a:latin typeface="+mn-lt"/>
+                    <a:ea typeface="+mn-ea"/>
+                    <a:cs typeface="+mn-cs"/>
+                  </a:defRPr>
+                </a:lvl6pPr>
+                <a:lvl7pPr marL="2743200" indent="0">
+                  <a:defRPr sz="1100">
+                    <a:latin typeface="+mn-lt"/>
+                    <a:ea typeface="+mn-ea"/>
+                    <a:cs typeface="+mn-cs"/>
+                  </a:defRPr>
+                </a:lvl7pPr>
+                <a:lvl8pPr marL="3200400" indent="0">
+                  <a:defRPr sz="1100">
+                    <a:latin typeface="+mn-lt"/>
+                    <a:ea typeface="+mn-ea"/>
+                    <a:cs typeface="+mn-cs"/>
+                  </a:defRPr>
+                </a:lvl8pPr>
+                <a:lvl9pPr marL="3657600" indent="0">
+                  <a:defRPr sz="1100">
+                    <a:latin typeface="+mn-lt"/>
+                    <a:ea typeface="+mn-ea"/>
+                    <a:cs typeface="+mn-cs"/>
+                  </a:defRPr>
+                </a:lvl9pPr>
+              </a:lstStyle>
+              <a:p>
+                <a:pPr algn="l"/>
+                <a14:m>
+                  <m:oMathPara xmlns:m="http://schemas.openxmlformats.org/officeDocument/2006/math">
+                    <m:oMathParaPr>
+                      <m:jc m:val="centerGroup"/>
+                    </m:oMathParaPr>
+                    <m:oMath xmlns:m="http://schemas.openxmlformats.org/officeDocument/2006/math">
+                      <m:r>
+                        <a:rPr kumimoji="1" lang="en-US" altLang="ja-JP" sz="2400" b="0" i="1" smtClean="0">
+                          <a:latin typeface="Cambria Math" panose="02040503050406030204" pitchFamily="18" charset="0"/>
+                        </a:rPr>
+                        <m:t>𝐹</m:t>
+                      </m:r>
+                      <m:r>
+                        <a:rPr kumimoji="1" lang="en-US" altLang="ja-JP" sz="2400" b="0" i="1" smtClean="0">
+                          <a:latin typeface="Cambria Math" panose="02040503050406030204" pitchFamily="18" charset="0"/>
+                        </a:rPr>
+                        <m:t>=</m:t>
+                      </m:r>
+                      <m:r>
+                        <a:rPr kumimoji="1" lang="en-US" altLang="ja-JP" sz="2400" b="0" i="1" smtClean="0">
+                          <a:latin typeface="Cambria Math" panose="02040503050406030204" pitchFamily="18" charset="0"/>
+                        </a:rPr>
+                        <m:t>𝑚</m:t>
+                      </m:r>
+                      <m:f>
+                        <m:fPr>
+                          <m:ctrlPr>
+                            <a:rPr kumimoji="1" lang="en-US" altLang="ja-JP" sz="2400" b="0" i="1" smtClean="0">
+                              <a:latin typeface="Cambria Math" panose="02040503050406030204" pitchFamily="18" charset="0"/>
+                            </a:rPr>
+                          </m:ctrlPr>
+                        </m:fPr>
+                        <m:num>
+                          <m:sSup>
+                            <m:sSupPr>
+                              <m:ctrlPr>
+                                <a:rPr kumimoji="1" lang="en-US" altLang="ja-JP" sz="2400" b="0" i="1" smtClean="0">
+                                  <a:latin typeface="Cambria Math" panose="02040503050406030204" pitchFamily="18" charset="0"/>
+                                </a:rPr>
+                              </m:ctrlPr>
+                            </m:sSupPr>
+                            <m:e>
+                              <m:r>
+                                <a:rPr kumimoji="1" lang="en-US" altLang="ja-JP" sz="2400" b="0" i="1" smtClean="0">
+                                  <a:latin typeface="Cambria Math" panose="02040503050406030204" pitchFamily="18" charset="0"/>
+                                </a:rPr>
+                                <m:t>𝑑</m:t>
+                              </m:r>
+                            </m:e>
+                            <m:sup>
+                              <m:r>
+                                <a:rPr kumimoji="1" lang="en-US" altLang="ja-JP" sz="2400" b="0" i="1" smtClean="0">
+                                  <a:latin typeface="Cambria Math" panose="02040503050406030204" pitchFamily="18" charset="0"/>
+                                </a:rPr>
+                                <m:t>2</m:t>
+                              </m:r>
+                            </m:sup>
+                          </m:sSup>
+                          <m:r>
+                            <a:rPr kumimoji="1" lang="en-US" altLang="ja-JP" sz="2400" b="0" i="1" smtClean="0">
+                              <a:latin typeface="Cambria Math" panose="02040503050406030204" pitchFamily="18" charset="0"/>
+                            </a:rPr>
+                            <m:t>𝑥</m:t>
+                          </m:r>
+                        </m:num>
+                        <m:den>
+                          <m:r>
+                            <a:rPr kumimoji="1" lang="en-US" altLang="ja-JP" sz="2400" b="0" i="1" smtClean="0">
+                              <a:latin typeface="Cambria Math" panose="02040503050406030204" pitchFamily="18" charset="0"/>
+                            </a:rPr>
+                            <m:t>𝑑</m:t>
+                          </m:r>
+                          <m:sSup>
+                            <m:sSupPr>
+                              <m:ctrlPr>
+                                <a:rPr kumimoji="1" lang="en-US" altLang="ja-JP" sz="2400" b="0" i="1" smtClean="0">
+                                  <a:latin typeface="Cambria Math" panose="02040503050406030204" pitchFamily="18" charset="0"/>
+                                </a:rPr>
+                              </m:ctrlPr>
+                            </m:sSupPr>
+                            <m:e>
+                              <m:r>
+                                <a:rPr kumimoji="1" lang="en-US" altLang="ja-JP" sz="2400" b="0" i="1" smtClean="0">
+                                  <a:latin typeface="Cambria Math" panose="02040503050406030204" pitchFamily="18" charset="0"/>
+                                </a:rPr>
+                                <m:t>𝑡</m:t>
+                              </m:r>
+                            </m:e>
+                            <m:sup>
+                              <m:r>
+                                <a:rPr kumimoji="1" lang="en-US" altLang="ja-JP" sz="2400" b="0" i="1" smtClean="0">
+                                  <a:latin typeface="Cambria Math" panose="02040503050406030204" pitchFamily="18" charset="0"/>
+                                </a:rPr>
+                                <m:t>2</m:t>
+                              </m:r>
+                            </m:sup>
+                          </m:sSup>
+                        </m:den>
+                      </m:f>
+                    </m:oMath>
+                  </m:oMathPara>
+                </a14:m>
+                <a:endParaRPr kumimoji="1" lang="ja-JP" altLang="en-US" sz="2400" dirty="0"/>
+              </a:p>
+            </p:txBody>
+          </p:sp>
+        </mc:Choice>
+        <mc:Fallback>
+          <p:sp>
+            <p:nvSpPr>
+              <p:cNvPr id="28" name="テキスト ボックス 4">
+                <a:extLst>
+                  <a:ext uri="{FF2B5EF4-FFF2-40B4-BE49-F238E27FC236}">
+                    <a16:creationId xmlns:a16="http://schemas.microsoft.com/office/drawing/2014/main" id="{CD0AB8A7-08D6-454C-A712-9E3ECAA826DC}"/>
+                  </a:ext>
+                </a:extLst>
+              </p:cNvPr>
+              <p:cNvSpPr txBox="1">
+                <a:spLocks noRot="1" noChangeAspect="1" noMove="1" noResize="1" noEditPoints="1" noAdjustHandles="1" noChangeArrowheads="1" noChangeShapeType="1" noTextEdit="1"/>
+              </p:cNvSpPr>
+              <p:nvPr/>
+            </p:nvSpPr>
+            <p:spPr>
+              <a:xfrm>
+                <a:off x="3730601" y="3595760"/>
+                <a:ext cx="3969392" cy="741100"/>
+              </a:xfrm>
+              <a:prstGeom prst="rect">
+                <a:avLst/>
+              </a:prstGeom>
+              <a:blipFill>
+                <a:blip r:embed="rId7"/>
+                <a:stretch>
+                  <a:fillRect/>
+                </a:stretch>
+              </a:blipFill>
+            </p:spPr>
+            <p:txBody>
+              <a:bodyPr/>
+              <a:lstStyle/>
+              <a:p>
+                <a:r>
+                  <a:rPr lang="ja-JP" altLang="en-US">
+                    <a:noFill/>
+                  </a:rPr>
+                  <a:t> </a:t>
+                </a:r>
+              </a:p>
+            </p:txBody>
+          </p:sp>
+        </mc:Fallback>
+      </mc:AlternateContent>
+      <p:sp>
+        <p:nvSpPr>
+          <p:cNvPr id="29" name="矢印: 右 28">
+            <a:extLst>
+              <a:ext uri="{FF2B5EF4-FFF2-40B4-BE49-F238E27FC236}">
+                <a16:creationId xmlns:a16="http://schemas.microsoft.com/office/drawing/2014/main" id="{E21A83AE-4E31-42A0-BAFA-6017657307D2}"/>
+              </a:ext>
+            </a:extLst>
+          </p:cNvPr>
+          <p:cNvSpPr/>
           <p:nvPr/>
         </p:nvSpPr>
         <p:spPr>
           <a:xfrm>
-            <a:off x="223858" y="797728"/>
-            <a:ext cx="1548822" cy="461665"/>
+            <a:off x="4458761" y="3868438"/>
+            <a:ext cx="345882" cy="286247"/>
           </a:xfrm>
-          <a:prstGeom prst="rect">
+          <a:prstGeom prst="rightArrow">
             <a:avLst/>
           </a:prstGeom>
-          <a:noFill/>
+          <a:solidFill>
+            <a:schemeClr val="tx1"/>
+          </a:solidFill>
+          <a:ln>
+            <a:solidFill>
+              <a:schemeClr val="tx1"/>
+            </a:solidFill>
+          </a:ln>
         </p:spPr>
+        <p:style>
+          <a:lnRef idx="2">
+            <a:schemeClr val="accent1">
+              <a:shade val="50000"/>
+            </a:schemeClr>
+          </a:lnRef>
+          <a:fillRef idx="1">
+            <a:schemeClr val="accent1"/>
+          </a:fillRef>
+          <a:effectRef idx="0">
+            <a:schemeClr val="accent1"/>
+          </a:effectRef>
+          <a:fontRef idx="minor">
+            <a:schemeClr val="lt1"/>
+          </a:fontRef>
+        </p:style>
         <p:txBody>
-          <a:bodyPr wrap="none" rtlCol="0">
-            <a:spAutoFit/>
-          </a:bodyPr>
+          <a:bodyPr rtlCol="0" anchor="ctr"/>
           <a:lstStyle/>
           <a:p>
-            <a:pPr algn="l"/>
-            <a:r>
-              <a:rPr lang="en-US" altLang="ja-JP" sz="2400" u="sng" dirty="0"/>
-              <a:t>Exercise3</a:t>
-            </a:r>
-            <a:endParaRPr kumimoji="1" lang="ja-JP" altLang="en-US" sz="2400" u="sng" dirty="0"/>
+            <a:pPr algn="ctr"/>
+            <a:endParaRPr kumimoji="1" lang="ja-JP" altLang="en-US"/>
           </a:p>
         </p:txBody>
       </p:sp>
     </p:spTree>
     <p:extLst>
       <p:ext uri="{BB962C8B-B14F-4D97-AF65-F5344CB8AC3E}">
-        <p14:creationId xmlns:p14="http://schemas.microsoft.com/office/powerpoint/2010/main" val="3958495109"/>
+        <p14:creationId xmlns:p14="http://schemas.microsoft.com/office/powerpoint/2010/main" val="3782921340"/>
       </p:ext>
     </p:extLst>
   </p:cSld>
@@ -34091,7 +35845,7 @@
           </a:ln>
           <a:extLst>
             <a:ext uri="{C572A759-6A51-4108-AA02-DFA0A04FC94B}">
-              <ma14:wrappingTextBoxFlag xmlns:ma14="http://schemas.microsoft.com/office/mac/drawingml/2011/main" xmlns="" val="1"/>
+              <ma14:wrappingTextBoxFlag xmlns="" xmlns:ma14="http://schemas.microsoft.com/office/mac/drawingml/2011/main" val="1"/>
             </a:ext>
           </a:extLst>
         </p:spPr>
@@ -34141,6 +35895,240 @@
             <a:fld id="{D836F367-8F14-4921-8441-15DE2D973248}" type="slidenum">
               <a:rPr kumimoji="1" lang="ja-JP" altLang="en-US" smtClean="0"/>
               <a:t>35</a:t>
+            </a:fld>
+            <a:endParaRPr kumimoji="1" lang="ja-JP" altLang="en-US"/>
+          </a:p>
+        </p:txBody>
+      </p:sp>
+      <p:sp>
+        <p:nvSpPr>
+          <p:cNvPr id="19" name="テキスト ボックス 18">
+            <a:extLst>
+              <a:ext uri="{FF2B5EF4-FFF2-40B4-BE49-F238E27FC236}">
+                <a16:creationId xmlns:a16="http://schemas.microsoft.com/office/drawing/2014/main" id="{B4EF266E-5967-49EA-8D66-2FA600BC1E91}"/>
+              </a:ext>
+            </a:extLst>
+          </p:cNvPr>
+          <p:cNvSpPr txBox="1"/>
+          <p:nvPr/>
+        </p:nvSpPr>
+        <p:spPr>
+          <a:xfrm>
+            <a:off x="614155" y="1355359"/>
+            <a:ext cx="10882184" cy="2677656"/>
+          </a:xfrm>
+          <a:prstGeom prst="rect">
+            <a:avLst/>
+          </a:prstGeom>
+          <a:noFill/>
+        </p:spPr>
+        <p:txBody>
+          <a:bodyPr wrap="square" rtlCol="0">
+            <a:spAutoFit/>
+          </a:bodyPr>
+          <a:lstStyle/>
+          <a:p>
+            <a:r>
+              <a:rPr kumimoji="1" lang="en-US" altLang="ja-JP" sz="2400" dirty="0" err="1"/>
+              <a:t>OpenModelica</a:t>
+            </a:r>
+            <a:r>
+              <a:rPr kumimoji="1" lang="ja-JP" altLang="en-US" sz="2400" dirty="0"/>
+              <a:t>を使用して、</a:t>
+            </a:r>
+            <a:r>
+              <a:rPr lang="ja-JP" altLang="en-US" sz="2400" dirty="0"/>
+              <a:t>自分の興味ある物理ドメインに対して以下の典型的なコンポーネントを見つけてみてください。</a:t>
+            </a:r>
+            <a:endParaRPr lang="en-US" altLang="ja-JP" sz="2400" dirty="0"/>
+          </a:p>
+          <a:p>
+            <a:r>
+              <a:rPr kumimoji="1" lang="ja-JP" altLang="en-US" sz="2400" dirty="0"/>
+              <a:t>　・抵抗</a:t>
+            </a:r>
+            <a:endParaRPr kumimoji="1" lang="en-US" altLang="ja-JP" sz="2400" dirty="0"/>
+          </a:p>
+          <a:p>
+            <a:r>
+              <a:rPr lang="ja-JP" altLang="en-US" sz="2400" dirty="0"/>
+              <a:t>　・インダクタンス</a:t>
+            </a:r>
+            <a:endParaRPr lang="en-US" altLang="ja-JP" sz="2400" dirty="0"/>
+          </a:p>
+          <a:p>
+            <a:r>
+              <a:rPr kumimoji="1" lang="ja-JP" altLang="en-US" sz="2400" dirty="0"/>
+              <a:t>　・キャパシタ</a:t>
+            </a:r>
+            <a:endParaRPr kumimoji="1" lang="en-US" altLang="ja-JP" sz="2400" dirty="0"/>
+          </a:p>
+          <a:p>
+            <a:r>
+              <a:rPr lang="ja-JP" altLang="en-US" sz="2400" dirty="0"/>
+              <a:t>　・ソース　ポテンシャル</a:t>
+            </a:r>
+            <a:endParaRPr lang="en-US" altLang="ja-JP" sz="2400" dirty="0"/>
+          </a:p>
+          <a:p>
+            <a:r>
+              <a:rPr kumimoji="1" lang="en-US" altLang="ja-JP" sz="2400" dirty="0"/>
+              <a:t>(</a:t>
+            </a:r>
+            <a:r>
+              <a:rPr kumimoji="1" lang="ja-JP" altLang="en-US" sz="2400" dirty="0"/>
+              <a:t>解答資料無し　ご要望があれば作成します</a:t>
+            </a:r>
+            <a:r>
+              <a:rPr kumimoji="1" lang="en-US" altLang="ja-JP" sz="2400" dirty="0"/>
+              <a:t>)</a:t>
+            </a:r>
+            <a:endParaRPr kumimoji="1" lang="ja-JP" altLang="en-US" sz="2400" dirty="0"/>
+          </a:p>
+        </p:txBody>
+      </p:sp>
+      <p:sp>
+        <p:nvSpPr>
+          <p:cNvPr id="5" name="テキスト ボックス 4">
+            <a:extLst>
+              <a:ext uri="{FF2B5EF4-FFF2-40B4-BE49-F238E27FC236}">
+                <a16:creationId xmlns:a16="http://schemas.microsoft.com/office/drawing/2014/main" id="{318FB08D-FEB5-49D8-B729-7E309D83AB65}"/>
+              </a:ext>
+            </a:extLst>
+          </p:cNvPr>
+          <p:cNvSpPr txBox="1"/>
+          <p:nvPr/>
+        </p:nvSpPr>
+        <p:spPr>
+          <a:xfrm>
+            <a:off x="223858" y="797728"/>
+            <a:ext cx="1548822" cy="461665"/>
+          </a:xfrm>
+          <a:prstGeom prst="rect">
+            <a:avLst/>
+          </a:prstGeom>
+          <a:noFill/>
+        </p:spPr>
+        <p:txBody>
+          <a:bodyPr wrap="none" rtlCol="0">
+            <a:spAutoFit/>
+          </a:bodyPr>
+          <a:lstStyle/>
+          <a:p>
+            <a:pPr algn="l"/>
+            <a:r>
+              <a:rPr lang="en-US" altLang="ja-JP" sz="2400" u="sng" dirty="0"/>
+              <a:t>Exercise3</a:t>
+            </a:r>
+            <a:endParaRPr kumimoji="1" lang="ja-JP" altLang="en-US" sz="2400" u="sng" dirty="0"/>
+          </a:p>
+        </p:txBody>
+      </p:sp>
+    </p:spTree>
+    <p:extLst>
+      <p:ext uri="{BB962C8B-B14F-4D97-AF65-F5344CB8AC3E}">
+        <p14:creationId xmlns:p14="http://schemas.microsoft.com/office/powerpoint/2010/main" val="3958495109"/>
+      </p:ext>
+    </p:extLst>
+  </p:cSld>
+  <p:clrMapOvr>
+    <a:masterClrMapping/>
+  </p:clrMapOvr>
+</p:sld>
+</file>
+
+<file path=ppt/slides/slide36.xml><?xml version="1.0" encoding="utf-8"?>
+<p:sld xmlns:a="http://schemas.openxmlformats.org/drawingml/2006/main" xmlns:r="http://schemas.openxmlformats.org/officeDocument/2006/relationships" xmlns:p="http://schemas.openxmlformats.org/presentationml/2006/main">
+  <p:cSld>
+    <p:spTree>
+      <p:nvGrpSpPr>
+        <p:cNvPr id="1" name=""/>
+        <p:cNvGrpSpPr/>
+        <p:nvPr/>
+      </p:nvGrpSpPr>
+      <p:grpSpPr>
+        <a:xfrm>
+          <a:off x="0" y="0"/>
+          <a:ext cx="0" cy="0"/>
+          <a:chOff x="0" y="0"/>
+          <a:chExt cx="0" cy="0"/>
+        </a:xfrm>
+      </p:grpSpPr>
+      <p:sp>
+        <p:nvSpPr>
+          <p:cNvPr id="4" name="Shape 130">
+            <a:extLst>
+              <a:ext uri="{FF2B5EF4-FFF2-40B4-BE49-F238E27FC236}">
+                <a16:creationId xmlns:a16="http://schemas.microsoft.com/office/drawing/2014/main" id="{925B04DB-30E4-42E2-80C9-D742CED3A8D8}"/>
+              </a:ext>
+            </a:extLst>
+          </p:cNvPr>
+          <p:cNvSpPr/>
+          <p:nvPr/>
+        </p:nvSpPr>
+        <p:spPr>
+          <a:xfrm>
+            <a:off x="179665" y="87415"/>
+            <a:ext cx="7083147" cy="579646"/>
+          </a:xfrm>
+          <a:prstGeom prst="rect">
+            <a:avLst/>
+          </a:prstGeom>
+          <a:ln w="12700">
+            <a:miter lim="400000"/>
+          </a:ln>
+          <a:extLst>
+            <a:ext uri="{C572A759-6A51-4108-AA02-DFA0A04FC94B}">
+              <ma14:wrappingTextBoxFlag xmlns="" xmlns:ma14="http://schemas.microsoft.com/office/mac/drawingml/2011/main" val="1"/>
+            </a:ext>
+          </a:extLst>
+        </p:spPr>
+        <p:txBody>
+          <a:bodyPr wrap="square" lIns="50800" tIns="50800" rIns="50800" bIns="50800" anchor="ctr">
+            <a:spAutoFit/>
+          </a:bodyPr>
+          <a:lstStyle/>
+          <a:p>
+            <a:pPr>
+              <a:defRPr sz="3100" u="sng">
+                <a:latin typeface="YuMincho Medium"/>
+                <a:ea typeface="YuMincho Medium"/>
+                <a:cs typeface="YuMincho Medium"/>
+                <a:sym typeface="YuMincho Medium"/>
+              </a:defRPr>
+            </a:pPr>
+            <a:r>
+              <a:rPr lang="ja-JP" altLang="en-US" dirty="0"/>
+              <a:t>典型的な物理モデル</a:t>
+            </a:r>
+            <a:endParaRPr lang="en-US" altLang="ja-JP" dirty="0"/>
+          </a:p>
+        </p:txBody>
+      </p:sp>
+      <p:sp>
+        <p:nvSpPr>
+          <p:cNvPr id="3" name="スライド番号プレースホルダー 2">
+            <a:extLst>
+              <a:ext uri="{FF2B5EF4-FFF2-40B4-BE49-F238E27FC236}">
+                <a16:creationId xmlns:a16="http://schemas.microsoft.com/office/drawing/2014/main" id="{C03CFA8D-F255-47FE-9956-D3EE57D24708}"/>
+              </a:ext>
+            </a:extLst>
+          </p:cNvPr>
+          <p:cNvSpPr>
+            <a:spLocks noGrp="1"/>
+          </p:cNvSpPr>
+          <p:nvPr>
+            <p:ph type="sldNum" sz="quarter" idx="12"/>
+          </p:nvPr>
+        </p:nvSpPr>
+        <p:spPr/>
+        <p:txBody>
+          <a:bodyPr/>
+          <a:lstStyle/>
+          <a:p>
+            <a:fld id="{D836F367-8F14-4921-8441-15DE2D973248}" type="slidenum">
+              <a:rPr kumimoji="1" lang="ja-JP" altLang="en-US" smtClean="0"/>
+              <a:t>36</a:t>
             </a:fld>
             <a:endParaRPr kumimoji="1" lang="ja-JP" altLang="en-US"/>
           </a:p>
@@ -34210,14 +36198,10 @@
             </a:r>
             <a:r>
               <a:rPr kumimoji="1" lang="ja-JP" altLang="en-US" sz="2400" dirty="0"/>
-              <a:t>解答</a:t>
-            </a:r>
-            <a:r>
-              <a:rPr kumimoji="1" lang="ja-JP" altLang="en-US" sz="2400"/>
-              <a:t>資料無し　ご要望があれば作成します</a:t>
-            </a:r>
-            <a:r>
-              <a:rPr kumimoji="1" lang="en-US" altLang="ja-JP" sz="2400"/>
+              <a:t>解答資料無し　ご要望があれば作成します</a:t>
+            </a:r>
+            <a:r>
+              <a:rPr kumimoji="1" lang="en-US" altLang="ja-JP" sz="2400" dirty="0"/>
               <a:t>)</a:t>
             </a:r>
             <a:endParaRPr kumimoji="1" lang="ja-JP" altLang="en-US" sz="2400" dirty="0"/>
@@ -34274,7 +36258,7 @@
 </p:sld>
 </file>
 
-<file path=ppt/slides/slide36.xml><?xml version="1.0" encoding="utf-8"?>
+<file path=ppt/slides/slide37.xml><?xml version="1.0" encoding="utf-8"?>
 <p:sld xmlns:a="http://schemas.openxmlformats.org/drawingml/2006/main" xmlns:r="http://schemas.openxmlformats.org/officeDocument/2006/relationships" xmlns:p="http://schemas.openxmlformats.org/presentationml/2006/main">
   <p:cSld>
     <p:spTree>
@@ -34314,7 +36298,7 @@
           <a:p>
             <a:fld id="{D836F367-8F14-4921-8441-15DE2D973248}" type="slidenum">
               <a:rPr kumimoji="1" lang="ja-JP" altLang="en-US" smtClean="0"/>
-              <a:t>36</a:t>
+              <a:t>37</a:t>
             </a:fld>
             <a:endParaRPr kumimoji="1" lang="ja-JP" altLang="en-US"/>
           </a:p>
@@ -34345,7 +36329,7 @@
           </a:ln>
           <a:extLst>
             <a:ext uri="{C572A759-6A51-4108-AA02-DFA0A04FC94B}">
-              <ma14:wrappingTextBoxFlag xmlns:ma14="http://schemas.microsoft.com/office/mac/drawingml/2011/main" xmlns="" val="1"/>
+              <ma14:wrappingTextBoxFlag xmlns="" xmlns:ma14="http://schemas.microsoft.com/office/mac/drawingml/2011/main" val="1"/>
             </a:ext>
           </a:extLst>
         </p:spPr>
@@ -34524,7 +36508,7 @@
 </p:sld>
 </file>
 
-<file path=ppt/slides/slide37.xml><?xml version="1.0" encoding="utf-8"?>
+<file path=ppt/slides/slide38.xml><?xml version="1.0" encoding="utf-8"?>
 <p:sld xmlns:a="http://schemas.openxmlformats.org/drawingml/2006/main" xmlns:r="http://schemas.openxmlformats.org/officeDocument/2006/relationships" xmlns:p="http://schemas.openxmlformats.org/presentationml/2006/main">
   <p:cSld>
     <p:spTree>
@@ -34558,7 +36542,7 @@
           <a:p>
             <a:fld id="{D836F367-8F14-4921-8441-15DE2D973248}" type="slidenum">
               <a:rPr kumimoji="1" lang="ja-JP" altLang="en-US" smtClean="0"/>
-              <a:t>37</a:t>
+              <a:t>38</a:t>
             </a:fld>
             <a:endParaRPr kumimoji="1" lang="ja-JP" altLang="en-US"/>
           </a:p>
@@ -34589,7 +36573,7 @@
           </a:ln>
           <a:extLst>
             <a:ext uri="{C572A759-6A51-4108-AA02-DFA0A04FC94B}">
-              <ma14:wrappingTextBoxFlag xmlns:ma14="http://schemas.microsoft.com/office/mac/drawingml/2011/main" xmlns="" val="1"/>
+              <ma14:wrappingTextBoxFlag xmlns="" xmlns:ma14="http://schemas.microsoft.com/office/mac/drawingml/2011/main" val="1"/>
             </a:ext>
           </a:extLst>
         </p:spPr>
@@ -34717,7 +36701,7 @@
           </a:ln>
           <a:extLst>
             <a:ext uri="{C572A759-6A51-4108-AA02-DFA0A04FC94B}">
-              <ma14:wrappingTextBoxFlag xmlns:ma14="http://schemas.microsoft.com/office/mac/drawingml/2011/main" xmlns="" val="1"/>
+              <ma14:wrappingTextBoxFlag xmlns="" xmlns:ma14="http://schemas.microsoft.com/office/mac/drawingml/2011/main" val="1"/>
             </a:ext>
           </a:extLst>
         </p:spPr>
@@ -35404,7 +37388,7 @@
           </a:ln>
           <a:extLst>
             <a:ext uri="{C572A759-6A51-4108-AA02-DFA0A04FC94B}">
-              <ma14:wrappingTextBoxFlag xmlns:ma14="http://schemas.microsoft.com/office/mac/drawingml/2011/main" xmlns="" val="1"/>
+              <ma14:wrappingTextBoxFlag xmlns="" xmlns:ma14="http://schemas.microsoft.com/office/mac/drawingml/2011/main" val="1"/>
             </a:ext>
           </a:extLst>
         </p:spPr>
@@ -36257,7 +38241,7 @@
           </a:ln>
           <a:extLst>
             <a:ext uri="{C572A759-6A51-4108-AA02-DFA0A04FC94B}">
-              <ma14:wrappingTextBoxFlag xmlns:ma14="http://schemas.microsoft.com/office/mac/drawingml/2011/main" xmlns="" val="1"/>
+              <ma14:wrappingTextBoxFlag xmlns="" xmlns:ma14="http://schemas.microsoft.com/office/mac/drawingml/2011/main" val="1"/>
             </a:ext>
           </a:extLst>
         </p:spPr>
@@ -36791,7 +38775,7 @@
           </a:ln>
           <a:extLst>
             <a:ext uri="{C572A759-6A51-4108-AA02-DFA0A04FC94B}">
-              <ma14:wrappingTextBoxFlag xmlns:ma14="http://schemas.microsoft.com/office/mac/drawingml/2011/main" xmlns="" val="1"/>
+              <ma14:wrappingTextBoxFlag xmlns="" xmlns:ma14="http://schemas.microsoft.com/office/mac/drawingml/2011/main" val="1"/>
             </a:ext>
           </a:extLst>
         </p:spPr>
@@ -36985,7 +38969,7 @@
           </a:ln>
           <a:extLst>
             <a:ext uri="{C572A759-6A51-4108-AA02-DFA0A04FC94B}">
-              <ma14:wrappingTextBoxFlag xmlns:ma14="http://schemas.microsoft.com/office/mac/drawingml/2011/main" xmlns="" val="1"/>
+              <ma14:wrappingTextBoxFlag xmlns="" xmlns:ma14="http://schemas.microsoft.com/office/mac/drawingml/2011/main" val="1"/>
             </a:ext>
           </a:extLst>
         </p:spPr>
@@ -37811,7 +39795,7 @@
           </a:ln>
           <a:extLst>
             <a:ext uri="{C572A759-6A51-4108-AA02-DFA0A04FC94B}">
-              <ma14:wrappingTextBoxFlag xmlns:ma14="http://schemas.microsoft.com/office/mac/drawingml/2011/main" xmlns="" val="1"/>
+              <ma14:wrappingTextBoxFlag xmlns="" xmlns:ma14="http://schemas.microsoft.com/office/mac/drawingml/2011/main" val="1"/>
             </a:ext>
           </a:extLst>
         </p:spPr>
